--- a/1. Front-end/3. JavaScipt - JS/3. Java Script.pptx
+++ b/1. Front-end/3. JavaScipt - JS/3. Java Script.pptx
@@ -11,21 +11,22 @@
     <p:sldId id="258" r:id="rId5"/>
     <p:sldId id="260" r:id="rId6"/>
     <p:sldId id="261" r:id="rId7"/>
-    <p:sldId id="262" r:id="rId8"/>
-    <p:sldId id="264" r:id="rId9"/>
-    <p:sldId id="276" r:id="rId10"/>
-    <p:sldId id="263" r:id="rId11"/>
-    <p:sldId id="265" r:id="rId12"/>
-    <p:sldId id="266" r:id="rId13"/>
-    <p:sldId id="274" r:id="rId14"/>
-    <p:sldId id="275" r:id="rId15"/>
-    <p:sldId id="267" r:id="rId16"/>
-    <p:sldId id="268" r:id="rId17"/>
-    <p:sldId id="272" r:id="rId18"/>
-    <p:sldId id="269" r:id="rId19"/>
-    <p:sldId id="270" r:id="rId20"/>
-    <p:sldId id="273" r:id="rId21"/>
-    <p:sldId id="271" r:id="rId22"/>
+    <p:sldId id="277" r:id="rId8"/>
+    <p:sldId id="262" r:id="rId9"/>
+    <p:sldId id="264" r:id="rId10"/>
+    <p:sldId id="276" r:id="rId11"/>
+    <p:sldId id="263" r:id="rId12"/>
+    <p:sldId id="265" r:id="rId13"/>
+    <p:sldId id="266" r:id="rId14"/>
+    <p:sldId id="274" r:id="rId15"/>
+    <p:sldId id="275" r:id="rId16"/>
+    <p:sldId id="267" r:id="rId17"/>
+    <p:sldId id="268" r:id="rId18"/>
+    <p:sldId id="272" r:id="rId19"/>
+    <p:sldId id="269" r:id="rId20"/>
+    <p:sldId id="270" r:id="rId21"/>
+    <p:sldId id="273" r:id="rId22"/>
+    <p:sldId id="271" r:id="rId23"/>
   </p:sldIdLst>
   <p:sldSz cx="9144000" cy="6858000" type="screen4x3"/>
   <p:notesSz cx="6858000" cy="9144000"/>
@@ -309,7 +310,7 @@
             <a:fld id="{1D8BD707-D9CF-40AE-B4C6-C98DA3205C09}" type="datetimeFigureOut">
               <a:rPr lang="en-US" smtClean="0"/>
               <a:pPr/>
-              <a:t>5/16/2018</a:t>
+              <a:t>7/2/2018</a:t>
             </a:fld>
             <a:endParaRPr lang="en-US"/>
           </a:p>
@@ -476,7 +477,7 @@
             <a:fld id="{1D8BD707-D9CF-40AE-B4C6-C98DA3205C09}" type="datetimeFigureOut">
               <a:rPr lang="en-US" smtClean="0"/>
               <a:pPr/>
-              <a:t>5/16/2018</a:t>
+              <a:t>7/2/2018</a:t>
             </a:fld>
             <a:endParaRPr lang="en-US"/>
           </a:p>
@@ -653,7 +654,7 @@
             <a:fld id="{1D8BD707-D9CF-40AE-B4C6-C98DA3205C09}" type="datetimeFigureOut">
               <a:rPr lang="en-US" smtClean="0"/>
               <a:pPr/>
-              <a:t>5/16/2018</a:t>
+              <a:t>7/2/2018</a:t>
             </a:fld>
             <a:endParaRPr lang="en-US"/>
           </a:p>
@@ -820,7 +821,7 @@
             <a:fld id="{1D8BD707-D9CF-40AE-B4C6-C98DA3205C09}" type="datetimeFigureOut">
               <a:rPr lang="en-US" smtClean="0"/>
               <a:pPr/>
-              <a:t>5/16/2018</a:t>
+              <a:t>7/2/2018</a:t>
             </a:fld>
             <a:endParaRPr lang="en-US"/>
           </a:p>
@@ -1063,7 +1064,7 @@
             <a:fld id="{1D8BD707-D9CF-40AE-B4C6-C98DA3205C09}" type="datetimeFigureOut">
               <a:rPr lang="en-US" smtClean="0"/>
               <a:pPr/>
-              <a:t>5/16/2018</a:t>
+              <a:t>7/2/2018</a:t>
             </a:fld>
             <a:endParaRPr lang="en-US"/>
           </a:p>
@@ -1348,7 +1349,7 @@
             <a:fld id="{1D8BD707-D9CF-40AE-B4C6-C98DA3205C09}" type="datetimeFigureOut">
               <a:rPr lang="en-US" smtClean="0"/>
               <a:pPr/>
-              <a:t>5/16/2018</a:t>
+              <a:t>7/2/2018</a:t>
             </a:fld>
             <a:endParaRPr lang="en-US"/>
           </a:p>
@@ -1767,7 +1768,7 @@
             <a:fld id="{1D8BD707-D9CF-40AE-B4C6-C98DA3205C09}" type="datetimeFigureOut">
               <a:rPr lang="en-US" smtClean="0"/>
               <a:pPr/>
-              <a:t>5/16/2018</a:t>
+              <a:t>7/2/2018</a:t>
             </a:fld>
             <a:endParaRPr lang="en-US"/>
           </a:p>
@@ -1882,7 +1883,7 @@
             <a:fld id="{1D8BD707-D9CF-40AE-B4C6-C98DA3205C09}" type="datetimeFigureOut">
               <a:rPr lang="en-US" smtClean="0"/>
               <a:pPr/>
-              <a:t>5/16/2018</a:t>
+              <a:t>7/2/2018</a:t>
             </a:fld>
             <a:endParaRPr lang="en-US"/>
           </a:p>
@@ -1974,7 +1975,7 @@
             <a:fld id="{1D8BD707-D9CF-40AE-B4C6-C98DA3205C09}" type="datetimeFigureOut">
               <a:rPr lang="en-US" smtClean="0"/>
               <a:pPr/>
-              <a:t>5/16/2018</a:t>
+              <a:t>7/2/2018</a:t>
             </a:fld>
             <a:endParaRPr lang="en-US"/>
           </a:p>
@@ -2248,7 +2249,7 @@
             <a:fld id="{1D8BD707-D9CF-40AE-B4C6-C98DA3205C09}" type="datetimeFigureOut">
               <a:rPr lang="en-US" smtClean="0"/>
               <a:pPr/>
-              <a:t>5/16/2018</a:t>
+              <a:t>7/2/2018</a:t>
             </a:fld>
             <a:endParaRPr lang="en-US"/>
           </a:p>
@@ -2498,7 +2499,7 @@
             <a:fld id="{1D8BD707-D9CF-40AE-B4C6-C98DA3205C09}" type="datetimeFigureOut">
               <a:rPr lang="en-US" smtClean="0"/>
               <a:pPr/>
-              <a:t>5/16/2018</a:t>
+              <a:t>7/2/2018</a:t>
             </a:fld>
             <a:endParaRPr lang="en-US"/>
           </a:p>
@@ -2708,7 +2709,7 @@
             <a:fld id="{1D8BD707-D9CF-40AE-B4C6-C98DA3205C09}" type="datetimeFigureOut">
               <a:rPr lang="en-US" smtClean="0"/>
               <a:pPr/>
-              <a:t>5/16/2018</a:t>
+              <a:t>7/2/2018</a:t>
             </a:fld>
             <a:endParaRPr lang="en-US"/>
           </a:p>
@@ -3119,15 +3120,7 @@
           <a:p>
             <a:r>
               <a:rPr lang="en-US" dirty="0" err="1" smtClean="0"/>
-              <a:t>Người</a:t>
-            </a:r>
-            <a:r>
-              <a:rPr lang="en-US" dirty="0" smtClean="0"/>
-              <a:t> </a:t>
-            </a:r>
-            <a:r>
-              <a:rPr lang="en-US" dirty="0" err="1" smtClean="0"/>
-              <a:t>hướng</a:t>
+              <a:t>Hướng</a:t>
             </a:r>
             <a:r>
               <a:rPr lang="en-US" dirty="0" smtClean="0"/>
@@ -3212,35 +3205,38 @@
             <p:ph type="title"/>
           </p:nvPr>
         </p:nvSpPr>
-        <p:spPr>
-          <a:xfrm>
-            <a:off x="381000" y="304800"/>
-            <a:ext cx="8229600" cy="1143000"/>
-          </a:xfrm>
-        </p:spPr>
+        <p:spPr/>
         <p:txBody>
           <a:bodyPr/>
           <a:lstStyle/>
           <a:p>
             <a:r>
               <a:rPr lang="en-GB" dirty="0" err="1" smtClean="0"/>
-              <a:t>Kiểu</a:t>
-            </a:r>
-            <a:r>
-              <a:rPr lang="en-GB" dirty="0" smtClean="0"/>
-              <a:t> </a:t>
-            </a:r>
-            <a:r>
-              <a:rPr lang="en-GB" dirty="0" err="1" smtClean="0"/>
-              <a:t>dữ</a:t>
-            </a:r>
-            <a:r>
-              <a:rPr lang="en-GB" dirty="0" smtClean="0"/>
-              <a:t> </a:t>
-            </a:r>
-            <a:r>
-              <a:rPr lang="en-GB" dirty="0" err="1" smtClean="0"/>
-              <a:t>liệu</a:t>
+              <a:t>Quy</a:t>
+            </a:r>
+            <a:r>
+              <a:rPr lang="en-GB" dirty="0" smtClean="0"/>
+              <a:t> </a:t>
+            </a:r>
+            <a:r>
+              <a:rPr lang="en-GB" dirty="0" err="1" smtClean="0"/>
+              <a:t>tắc</a:t>
+            </a:r>
+            <a:r>
+              <a:rPr lang="en-GB" dirty="0" smtClean="0"/>
+              <a:t> </a:t>
+            </a:r>
+            <a:r>
+              <a:rPr lang="en-GB" dirty="0" err="1" smtClean="0"/>
+              <a:t>tên</a:t>
+            </a:r>
+            <a:r>
+              <a:rPr lang="en-GB" dirty="0" smtClean="0"/>
+              <a:t> </a:t>
+            </a:r>
+            <a:r>
+              <a:rPr lang="en-GB" dirty="0" err="1" smtClean="0"/>
+              <a:t>biến</a:t>
             </a:r>
             <a:endParaRPr lang="en-GB" dirty="0"/>
           </a:p>
@@ -3258,120 +3254,220 @@
         </p:nvSpPr>
         <p:spPr/>
         <p:txBody>
-          <a:bodyPr>
-            <a:normAutofit/>
-          </a:bodyPr>
-          <a:lstStyle/>
-          <a:p>
-            <a:r>
-              <a:rPr lang="en-GB" dirty="0" err="1" smtClean="0"/>
-              <a:t>Kiểu</a:t>
-            </a:r>
-            <a:r>
-              <a:rPr lang="en-GB" dirty="0" smtClean="0"/>
-              <a:t> </a:t>
-            </a:r>
-            <a:r>
-              <a:rPr lang="en-GB" dirty="0" err="1" smtClean="0"/>
-              <a:t>nguyên</a:t>
-            </a:r>
-            <a:r>
-              <a:rPr lang="en-GB" dirty="0" smtClean="0"/>
-              <a:t> </a:t>
-            </a:r>
-            <a:r>
-              <a:rPr lang="en-GB" dirty="0" err="1" smtClean="0"/>
-              <a:t>thủy</a:t>
+          <a:bodyPr/>
+          <a:lstStyle/>
+          <a:p>
+            <a:r>
+              <a:rPr lang="en-GB" dirty="0" err="1" smtClean="0"/>
+              <a:t>Khởi</a:t>
+            </a:r>
+            <a:r>
+              <a:rPr lang="en-GB" dirty="0" smtClean="0"/>
+              <a:t> </a:t>
+            </a:r>
+            <a:r>
+              <a:rPr lang="en-GB" dirty="0" err="1" smtClean="0"/>
+              <a:t>đầu</a:t>
+            </a:r>
+            <a:r>
+              <a:rPr lang="en-GB" dirty="0" smtClean="0"/>
+              <a:t> </a:t>
+            </a:r>
+            <a:r>
+              <a:rPr lang="en-GB" dirty="0" err="1" smtClean="0"/>
+              <a:t>không</a:t>
+            </a:r>
+            <a:r>
+              <a:rPr lang="en-GB" dirty="0" smtClean="0"/>
+              <a:t> </a:t>
+            </a:r>
+            <a:r>
+              <a:rPr lang="en-GB" dirty="0" err="1" smtClean="0"/>
+              <a:t>được</a:t>
+            </a:r>
+            <a:r>
+              <a:rPr lang="en-GB" dirty="0" smtClean="0"/>
+              <a:t> </a:t>
+            </a:r>
+            <a:r>
+              <a:rPr lang="en-GB" dirty="0" err="1" smtClean="0"/>
+              <a:t>là</a:t>
+            </a:r>
+            <a:r>
+              <a:rPr lang="en-GB" dirty="0" smtClean="0"/>
+              <a:t> </a:t>
+            </a:r>
+            <a:r>
+              <a:rPr lang="en-GB" dirty="0" err="1" smtClean="0"/>
+              <a:t>số</a:t>
             </a:r>
             <a:endParaRPr lang="en-GB" dirty="0" smtClean="0"/>
           </a:p>
           <a:p>
+            <a:r>
+              <a:rPr lang="en-GB" dirty="0" err="1" smtClean="0"/>
+              <a:t>Khởi</a:t>
+            </a:r>
+            <a:r>
+              <a:rPr lang="en-GB" dirty="0" smtClean="0"/>
+              <a:t> </a:t>
+            </a:r>
+            <a:r>
+              <a:rPr lang="en-GB" dirty="0" err="1" smtClean="0"/>
+              <a:t>đầu</a:t>
+            </a:r>
+            <a:r>
+              <a:rPr lang="en-GB" dirty="0" smtClean="0"/>
+              <a:t> </a:t>
+            </a:r>
+            <a:r>
+              <a:rPr lang="en-GB" dirty="0" err="1" smtClean="0"/>
+              <a:t>có</a:t>
+            </a:r>
+            <a:r>
+              <a:rPr lang="en-GB" dirty="0" smtClean="0"/>
+              <a:t> </a:t>
+            </a:r>
+            <a:r>
+              <a:rPr lang="en-GB" dirty="0" err="1" smtClean="0"/>
+              <a:t>thể</a:t>
+            </a:r>
+            <a:r>
+              <a:rPr lang="en-GB" dirty="0" smtClean="0"/>
+              <a:t>: $, _, </a:t>
+            </a:r>
+            <a:r>
+              <a:rPr lang="en-GB" dirty="0" err="1" smtClean="0"/>
+              <a:t>một</a:t>
+            </a:r>
+            <a:r>
+              <a:rPr lang="en-GB" dirty="0" smtClean="0"/>
+              <a:t> </a:t>
+            </a:r>
+            <a:r>
+              <a:rPr lang="en-GB" dirty="0" err="1" smtClean="0"/>
+              <a:t>chữ</a:t>
+            </a:r>
+            <a:endParaRPr lang="en-GB" dirty="0" smtClean="0"/>
+          </a:p>
+          <a:p>
+            <a:r>
+              <a:rPr lang="en-GB" dirty="0" err="1" smtClean="0"/>
+              <a:t>Biến</a:t>
+            </a:r>
+            <a:r>
+              <a:rPr lang="en-GB" dirty="0" smtClean="0"/>
+              <a:t> JS </a:t>
+            </a:r>
+            <a:r>
+              <a:rPr lang="en-GB" dirty="0" err="1" smtClean="0"/>
+              <a:t>phải</a:t>
+            </a:r>
+            <a:r>
+              <a:rPr lang="en-GB" dirty="0" smtClean="0"/>
+              <a:t> </a:t>
+            </a:r>
+            <a:r>
+              <a:rPr lang="en-GB" dirty="0" err="1" smtClean="0"/>
+              <a:t>là</a:t>
+            </a:r>
+            <a:r>
+              <a:rPr lang="en-GB" dirty="0" smtClean="0"/>
+              <a:t> </a:t>
+            </a:r>
+            <a:r>
+              <a:rPr lang="en-GB" dirty="0" err="1" smtClean="0"/>
+              <a:t>duy</a:t>
+            </a:r>
+            <a:r>
+              <a:rPr lang="en-GB" dirty="0" smtClean="0"/>
+              <a:t> </a:t>
+            </a:r>
+            <a:r>
+              <a:rPr lang="en-GB" dirty="0" err="1" smtClean="0"/>
+              <a:t>nhất</a:t>
+            </a:r>
+            <a:endParaRPr lang="en-GB" dirty="0" smtClean="0"/>
+          </a:p>
+          <a:p>
+            <a:r>
+              <a:rPr lang="en-GB" dirty="0" err="1" smtClean="0"/>
+              <a:t>Không</a:t>
+            </a:r>
+            <a:r>
+              <a:rPr lang="en-GB" dirty="0" smtClean="0"/>
+              <a:t> </a:t>
+            </a:r>
+            <a:r>
+              <a:rPr lang="en-GB" dirty="0" err="1" smtClean="0"/>
+              <a:t>được</a:t>
+            </a:r>
+            <a:r>
+              <a:rPr lang="en-GB" dirty="0" smtClean="0"/>
+              <a:t> </a:t>
+            </a:r>
+            <a:r>
+              <a:rPr lang="en-GB" dirty="0" err="1" smtClean="0"/>
+              <a:t>trùng</a:t>
+            </a:r>
+            <a:r>
+              <a:rPr lang="en-GB" dirty="0" smtClean="0"/>
+              <a:t> </a:t>
+            </a:r>
+            <a:r>
+              <a:rPr lang="en-GB" dirty="0" err="1" smtClean="0"/>
+              <a:t>từ</a:t>
+            </a:r>
+            <a:r>
+              <a:rPr lang="en-GB" dirty="0" smtClean="0"/>
+              <a:t> </a:t>
+            </a:r>
+            <a:r>
+              <a:rPr lang="en-GB" dirty="0" err="1" smtClean="0"/>
+              <a:t>khóa</a:t>
+            </a:r>
+            <a:r>
+              <a:rPr lang="en-GB" dirty="0" smtClean="0"/>
+              <a:t> </a:t>
+            </a:r>
+            <a:r>
+              <a:rPr lang="en-GB" dirty="0" err="1" smtClean="0"/>
+              <a:t>của</a:t>
+            </a:r>
+            <a:r>
+              <a:rPr lang="en-GB" dirty="0" smtClean="0"/>
+              <a:t> JS</a:t>
+            </a:r>
+          </a:p>
+          <a:p>
             <a:pPr lvl="1"/>
             <a:r>
+              <a:rPr lang="en-GB" dirty="0" err="1" smtClean="0"/>
+              <a:t>Typeof</a:t>
+            </a:r>
+            <a:endParaRPr lang="en-GB" dirty="0" smtClean="0"/>
+          </a:p>
+          <a:p>
+            <a:pPr lvl="1"/>
+            <a:r>
+              <a:rPr lang="en-GB" dirty="0" err="1" smtClean="0"/>
+              <a:t>Var</a:t>
+            </a:r>
+            <a:endParaRPr lang="en-GB" dirty="0" smtClean="0"/>
+          </a:p>
+          <a:p>
+            <a:pPr lvl="1"/>
+            <a:r>
               <a:rPr lang="en-GB" dirty="0" err="1"/>
-              <a:t>b</a:t>
-            </a:r>
-            <a:r>
-              <a:rPr lang="en-GB" dirty="0" err="1" smtClean="0"/>
-              <a:t>ollean</a:t>
-            </a:r>
-            <a:r>
-              <a:rPr lang="en-GB" dirty="0" smtClean="0"/>
-              <a:t>: </a:t>
-            </a:r>
-            <a:r>
-              <a:rPr lang="en-GB" dirty="0" err="1" smtClean="0"/>
-              <a:t>giá</a:t>
-            </a:r>
-            <a:r>
-              <a:rPr lang="en-GB" dirty="0" smtClean="0"/>
-              <a:t> </a:t>
-            </a:r>
-            <a:r>
-              <a:rPr lang="en-GB" dirty="0" err="1" smtClean="0"/>
-              <a:t>trị</a:t>
-            </a:r>
-            <a:r>
-              <a:rPr lang="en-GB" dirty="0" smtClean="0"/>
-              <a:t> true/false</a:t>
-            </a:r>
-          </a:p>
-          <a:p>
-            <a:pPr lvl="1"/>
-            <a:r>
-              <a:rPr lang="en-GB" dirty="0" smtClean="0"/>
-              <a:t>null</a:t>
-            </a:r>
-          </a:p>
-          <a:p>
-            <a:pPr lvl="1"/>
-            <a:r>
-              <a:rPr lang="en-US" dirty="0" err="1" smtClean="0"/>
-              <a:t>undefine</a:t>
-            </a:r>
-            <a:r>
-              <a:rPr lang="en-US" dirty="0" smtClean="0"/>
-              <a:t>  </a:t>
-            </a:r>
-          </a:p>
-          <a:p>
-            <a:pPr lvl="1"/>
-            <a:r>
-              <a:rPr lang="en-US" dirty="0"/>
-              <a:t>s</a:t>
-            </a:r>
-            <a:r>
-              <a:rPr lang="en-US" dirty="0" smtClean="0"/>
-              <a:t>tring </a:t>
-            </a:r>
-          </a:p>
-          <a:p>
-            <a:pPr lvl="1"/>
-            <a:r>
-              <a:rPr lang="en-US" dirty="0"/>
-              <a:t>n</a:t>
-            </a:r>
-            <a:r>
-              <a:rPr lang="en-US" dirty="0" smtClean="0"/>
-              <a:t>umber</a:t>
-            </a:r>
-          </a:p>
-          <a:p>
-            <a:pPr lvl="1"/>
-            <a:r>
-              <a:rPr lang="en-US" dirty="0" smtClean="0"/>
-              <a:t>symbol</a:t>
-            </a:r>
-            <a:endParaRPr lang="en-GB" dirty="0" smtClean="0"/>
-          </a:p>
-          <a:p>
-            <a:r>
-              <a:rPr lang="en-GB" dirty="0" err="1" smtClean="0"/>
-              <a:t>Kiểu</a:t>
-            </a:r>
-            <a:r>
-              <a:rPr lang="en-GB" dirty="0" smtClean="0"/>
-              <a:t> object: array, number, date,…</a:t>
+              <a:t>U</a:t>
+            </a:r>
+            <a:r>
+              <a:rPr lang="en-GB" dirty="0" err="1" smtClean="0"/>
+              <a:t>ndefine</a:t>
+            </a:r>
+            <a:r>
+              <a:rPr lang="en-GB" dirty="0" smtClean="0"/>
+              <a:t>, …</a:t>
             </a:r>
             <a:endParaRPr lang="en-GB" dirty="0"/>
           </a:p>
@@ -3380,7 +3476,7 @@
     </p:spTree>
     <p:extLst>
       <p:ext uri="{BB962C8B-B14F-4D97-AF65-F5344CB8AC3E}">
-        <p14:creationId xmlns:p14="http://schemas.microsoft.com/office/powerpoint/2010/main" val="569911972"/>
+        <p14:creationId xmlns:p14="http://schemas.microsoft.com/office/powerpoint/2010/main" val="2371030393"/>
       </p:ext>
     </p:extLst>
   </p:cSld>
@@ -3424,6 +3520,218 @@
             <p:ph type="title"/>
           </p:nvPr>
         </p:nvSpPr>
+        <p:spPr>
+          <a:xfrm>
+            <a:off x="381000" y="304800"/>
+            <a:ext cx="8229600" cy="1143000"/>
+          </a:xfrm>
+        </p:spPr>
+        <p:txBody>
+          <a:bodyPr/>
+          <a:lstStyle/>
+          <a:p>
+            <a:r>
+              <a:rPr lang="en-GB" dirty="0" err="1" smtClean="0"/>
+              <a:t>Kiểu</a:t>
+            </a:r>
+            <a:r>
+              <a:rPr lang="en-GB" dirty="0" smtClean="0"/>
+              <a:t> </a:t>
+            </a:r>
+            <a:r>
+              <a:rPr lang="en-GB" dirty="0" err="1" smtClean="0"/>
+              <a:t>dữ</a:t>
+            </a:r>
+            <a:r>
+              <a:rPr lang="en-GB" dirty="0" smtClean="0"/>
+              <a:t> </a:t>
+            </a:r>
+            <a:r>
+              <a:rPr lang="en-GB" dirty="0" err="1" smtClean="0"/>
+              <a:t>liệu</a:t>
+            </a:r>
+            <a:endParaRPr lang="en-GB" dirty="0"/>
+          </a:p>
+        </p:txBody>
+      </p:sp>
+      <p:sp>
+        <p:nvSpPr>
+          <p:cNvPr id="3" name="Content Placeholder 2"/>
+          <p:cNvSpPr>
+            <a:spLocks noGrp="1"/>
+          </p:cNvSpPr>
+          <p:nvPr>
+            <p:ph idx="1"/>
+          </p:nvPr>
+        </p:nvSpPr>
+        <p:spPr/>
+        <p:txBody>
+          <a:bodyPr>
+            <a:normAutofit/>
+          </a:bodyPr>
+          <a:lstStyle/>
+          <a:p>
+            <a:r>
+              <a:rPr lang="en-GB" dirty="0" err="1" smtClean="0"/>
+              <a:t>Kiểu</a:t>
+            </a:r>
+            <a:r>
+              <a:rPr lang="en-GB" dirty="0" smtClean="0"/>
+              <a:t> </a:t>
+            </a:r>
+            <a:r>
+              <a:rPr lang="en-GB" dirty="0" err="1" smtClean="0"/>
+              <a:t>nguyên</a:t>
+            </a:r>
+            <a:r>
+              <a:rPr lang="en-GB" dirty="0" smtClean="0"/>
+              <a:t> </a:t>
+            </a:r>
+            <a:r>
+              <a:rPr lang="en-GB" dirty="0" err="1" smtClean="0"/>
+              <a:t>thủy</a:t>
+            </a:r>
+            <a:endParaRPr lang="en-GB" dirty="0" smtClean="0"/>
+          </a:p>
+          <a:p>
+            <a:pPr lvl="1"/>
+            <a:r>
+              <a:rPr lang="en-GB" dirty="0" err="1"/>
+              <a:t>b</a:t>
+            </a:r>
+            <a:r>
+              <a:rPr lang="en-GB" dirty="0" err="1" smtClean="0"/>
+              <a:t>ollean</a:t>
+            </a:r>
+            <a:r>
+              <a:rPr lang="en-GB" dirty="0" smtClean="0"/>
+              <a:t>: </a:t>
+            </a:r>
+            <a:r>
+              <a:rPr lang="en-GB" dirty="0" err="1" smtClean="0"/>
+              <a:t>giá</a:t>
+            </a:r>
+            <a:r>
+              <a:rPr lang="en-GB" dirty="0" smtClean="0"/>
+              <a:t> </a:t>
+            </a:r>
+            <a:r>
+              <a:rPr lang="en-GB" dirty="0" err="1" smtClean="0"/>
+              <a:t>trị</a:t>
+            </a:r>
+            <a:r>
+              <a:rPr lang="en-GB" dirty="0" smtClean="0"/>
+              <a:t> true/false</a:t>
+            </a:r>
+          </a:p>
+          <a:p>
+            <a:pPr lvl="1"/>
+            <a:r>
+              <a:rPr lang="en-GB" dirty="0" smtClean="0"/>
+              <a:t>null</a:t>
+            </a:r>
+          </a:p>
+          <a:p>
+            <a:pPr lvl="1"/>
+            <a:r>
+              <a:rPr lang="en-US" dirty="0" err="1" smtClean="0"/>
+              <a:t>undefine</a:t>
+            </a:r>
+            <a:r>
+              <a:rPr lang="en-US" dirty="0" smtClean="0"/>
+              <a:t>  </a:t>
+            </a:r>
+          </a:p>
+          <a:p>
+            <a:pPr lvl="1"/>
+            <a:r>
+              <a:rPr lang="en-US" dirty="0"/>
+              <a:t>s</a:t>
+            </a:r>
+            <a:r>
+              <a:rPr lang="en-US" dirty="0" smtClean="0"/>
+              <a:t>tring </a:t>
+            </a:r>
+          </a:p>
+          <a:p>
+            <a:pPr lvl="1"/>
+            <a:r>
+              <a:rPr lang="en-US" dirty="0"/>
+              <a:t>n</a:t>
+            </a:r>
+            <a:r>
+              <a:rPr lang="en-US" dirty="0" smtClean="0"/>
+              <a:t>umber</a:t>
+            </a:r>
+          </a:p>
+          <a:p>
+            <a:pPr lvl="1"/>
+            <a:r>
+              <a:rPr lang="en-US" dirty="0" smtClean="0"/>
+              <a:t>symbol</a:t>
+            </a:r>
+            <a:endParaRPr lang="en-GB" dirty="0" smtClean="0"/>
+          </a:p>
+          <a:p>
+            <a:r>
+              <a:rPr lang="en-GB" dirty="0" err="1" smtClean="0"/>
+              <a:t>Kiểu</a:t>
+            </a:r>
+            <a:r>
+              <a:rPr lang="en-GB" dirty="0" smtClean="0"/>
+              <a:t> object: array, number, date,…</a:t>
+            </a:r>
+            <a:endParaRPr lang="en-GB" dirty="0"/>
+          </a:p>
+        </p:txBody>
+      </p:sp>
+    </p:spTree>
+    <p:extLst>
+      <p:ext uri="{BB962C8B-B14F-4D97-AF65-F5344CB8AC3E}">
+        <p14:creationId xmlns:p14="http://schemas.microsoft.com/office/powerpoint/2010/main" val="569911972"/>
+      </p:ext>
+    </p:extLst>
+  </p:cSld>
+  <p:clrMapOvr>
+    <a:masterClrMapping/>
+  </p:clrMapOvr>
+  <p:timing>
+    <p:tnLst>
+      <p:par>
+        <p:cTn id="1" dur="indefinite" restart="never" nodeType="tmRoot"/>
+      </p:par>
+    </p:tnLst>
+  </p:timing>
+</p:sld>
+</file>
+
+<file path=ppt/slides/slide12.xml><?xml version="1.0" encoding="utf-8"?>
+<p:sld xmlns:a="http://schemas.openxmlformats.org/drawingml/2006/main" xmlns:r="http://schemas.openxmlformats.org/officeDocument/2006/relationships" xmlns:p="http://schemas.openxmlformats.org/presentationml/2006/main">
+  <p:cSld>
+    <p:spTree>
+      <p:nvGrpSpPr>
+        <p:cNvPr id="1" name=""/>
+        <p:cNvGrpSpPr/>
+        <p:nvPr/>
+      </p:nvGrpSpPr>
+      <p:grpSpPr>
+        <a:xfrm>
+          <a:off x="0" y="0"/>
+          <a:ext cx="0" cy="0"/>
+          <a:chOff x="0" y="0"/>
+          <a:chExt cx="0" cy="0"/>
+        </a:xfrm>
+      </p:grpSpPr>
+      <p:sp>
+        <p:nvSpPr>
+          <p:cNvPr id="2" name="Title 1"/>
+          <p:cNvSpPr>
+            <a:spLocks noGrp="1"/>
+          </p:cNvSpPr>
+          <p:nvPr>
+            <p:ph type="title"/>
+          </p:nvPr>
+        </p:nvSpPr>
         <p:spPr/>
         <p:txBody>
           <a:bodyPr/>
@@ -3660,7 +3968,7 @@
 </p:sld>
 </file>
 
-<file path=ppt/slides/slide12.xml><?xml version="1.0" encoding="utf-8"?>
+<file path=ppt/slides/slide13.xml><?xml version="1.0" encoding="utf-8"?>
 <p:sld xmlns:a="http://schemas.openxmlformats.org/drawingml/2006/main" xmlns:r="http://schemas.openxmlformats.org/officeDocument/2006/relationships" xmlns:p="http://schemas.openxmlformats.org/presentationml/2006/main">
   <p:cSld>
     <p:spTree>
@@ -4174,7 +4482,7 @@
 </p:sld>
 </file>
 
-<file path=ppt/slides/slide13.xml><?xml version="1.0" encoding="utf-8"?>
+<file path=ppt/slides/slide14.xml><?xml version="1.0" encoding="utf-8"?>
 <p:sld xmlns:a="http://schemas.openxmlformats.org/drawingml/2006/main" xmlns:r="http://schemas.openxmlformats.org/officeDocument/2006/relationships" xmlns:p="http://schemas.openxmlformats.org/presentationml/2006/main">
   <p:cSld>
     <p:spTree>
@@ -4631,7 +4939,7 @@
 </p:sld>
 </file>
 
-<file path=ppt/slides/slide14.xml><?xml version="1.0" encoding="utf-8"?>
+<file path=ppt/slides/slide15.xml><?xml version="1.0" encoding="utf-8"?>
 <p:sld xmlns:a="http://schemas.openxmlformats.org/drawingml/2006/main" xmlns:r="http://schemas.openxmlformats.org/officeDocument/2006/relationships" xmlns:p="http://schemas.openxmlformats.org/presentationml/2006/main">
   <p:cSld>
     <p:spTree>
@@ -4917,7 +5225,7 @@
 </p:sld>
 </file>
 
-<file path=ppt/slides/slide15.xml><?xml version="1.0" encoding="utf-8"?>
+<file path=ppt/slides/slide16.xml><?xml version="1.0" encoding="utf-8"?>
 <p:sld xmlns:a="http://schemas.openxmlformats.org/drawingml/2006/main" xmlns:r="http://schemas.openxmlformats.org/officeDocument/2006/relationships" xmlns:p="http://schemas.openxmlformats.org/presentationml/2006/main">
   <p:cSld>
     <p:spTree>
@@ -5172,7 +5480,7 @@
 </p:sld>
 </file>
 
-<file path=ppt/slides/slide16.xml><?xml version="1.0" encoding="utf-8"?>
+<file path=ppt/slides/slide17.xml><?xml version="1.0" encoding="utf-8"?>
 <p:sld xmlns:a="http://schemas.openxmlformats.org/drawingml/2006/main" xmlns:r="http://schemas.openxmlformats.org/officeDocument/2006/relationships" xmlns:p="http://schemas.openxmlformats.org/presentationml/2006/main">
   <p:cSld>
     <p:spTree>
@@ -5328,7 +5636,7 @@
 </p:sld>
 </file>
 
-<file path=ppt/slides/slide17.xml><?xml version="1.0" encoding="utf-8"?>
+<file path=ppt/slides/slide18.xml><?xml version="1.0" encoding="utf-8"?>
 <p:sld xmlns:a="http://schemas.openxmlformats.org/drawingml/2006/main" xmlns:r="http://schemas.openxmlformats.org/officeDocument/2006/relationships" xmlns:p="http://schemas.openxmlformats.org/presentationml/2006/main">
   <p:cSld>
     <p:spTree>
@@ -5504,266 +5812,6 @@
 </p:sld>
 </file>
 
-<file path=ppt/slides/slide18.xml><?xml version="1.0" encoding="utf-8"?>
-<p:sld xmlns:a="http://schemas.openxmlformats.org/drawingml/2006/main" xmlns:r="http://schemas.openxmlformats.org/officeDocument/2006/relationships" xmlns:p="http://schemas.openxmlformats.org/presentationml/2006/main">
-  <p:cSld>
-    <p:spTree>
-      <p:nvGrpSpPr>
-        <p:cNvPr id="1" name=""/>
-        <p:cNvGrpSpPr/>
-        <p:nvPr/>
-      </p:nvGrpSpPr>
-      <p:grpSpPr>
-        <a:xfrm>
-          <a:off x="0" y="0"/>
-          <a:ext cx="0" cy="0"/>
-          <a:chOff x="0" y="0"/>
-          <a:chExt cx="0" cy="0"/>
-        </a:xfrm>
-      </p:grpSpPr>
-      <p:sp>
-        <p:nvSpPr>
-          <p:cNvPr id="2" name="Title 1"/>
-          <p:cNvSpPr>
-            <a:spLocks noGrp="1"/>
-          </p:cNvSpPr>
-          <p:nvPr>
-            <p:ph type="title"/>
-          </p:nvPr>
-        </p:nvSpPr>
-        <p:spPr/>
-        <p:txBody>
-          <a:bodyPr/>
-          <a:lstStyle/>
-          <a:p>
-            <a:r>
-              <a:rPr lang="en-GB" dirty="0" err="1" smtClean="0"/>
-              <a:t>Mảng</a:t>
-            </a:r>
-            <a:r>
-              <a:rPr lang="en-GB" dirty="0" smtClean="0"/>
-              <a:t> </a:t>
-            </a:r>
-            <a:r>
-              <a:rPr lang="en-GB" dirty="0" err="1" smtClean="0"/>
-              <a:t>trong</a:t>
-            </a:r>
-            <a:r>
-              <a:rPr lang="en-GB" dirty="0" smtClean="0"/>
-              <a:t> JS</a:t>
-            </a:r>
-            <a:endParaRPr lang="en-GB" dirty="0"/>
-          </a:p>
-        </p:txBody>
-      </p:sp>
-      <p:sp>
-        <p:nvSpPr>
-          <p:cNvPr id="3" name="Content Placeholder 2"/>
-          <p:cNvSpPr>
-            <a:spLocks noGrp="1"/>
-          </p:cNvSpPr>
-          <p:nvPr>
-            <p:ph idx="1"/>
-          </p:nvPr>
-        </p:nvSpPr>
-        <p:spPr/>
-        <p:txBody>
-          <a:bodyPr/>
-          <a:lstStyle/>
-          <a:p>
-            <a:r>
-              <a:rPr lang="en-US" dirty="0" err="1" smtClean="0"/>
-              <a:t>Khai</a:t>
-            </a:r>
-            <a:r>
-              <a:rPr lang="en-US" dirty="0" smtClean="0"/>
-              <a:t> </a:t>
-            </a:r>
-            <a:r>
-              <a:rPr lang="en-US" dirty="0" err="1" smtClean="0"/>
-              <a:t>báo</a:t>
-            </a:r>
-            <a:endParaRPr lang="en-US" dirty="0" smtClean="0"/>
-          </a:p>
-          <a:p>
-            <a:pPr lvl="1"/>
-            <a:r>
-              <a:rPr lang="en-US" dirty="0" err="1" smtClean="0"/>
-              <a:t>var</a:t>
-            </a:r>
-            <a:r>
-              <a:rPr lang="en-US" dirty="0" smtClean="0"/>
-              <a:t> </a:t>
-            </a:r>
-            <a:r>
-              <a:rPr lang="en-US" dirty="0" err="1"/>
-              <a:t>name_array</a:t>
-            </a:r>
-            <a:r>
-              <a:rPr lang="en-US" dirty="0"/>
-              <a:t> = [];</a:t>
-            </a:r>
-            <a:endParaRPr lang="en-GB" dirty="0"/>
-          </a:p>
-          <a:p>
-            <a:pPr lvl="1"/>
-            <a:r>
-              <a:rPr lang="en-US" dirty="0" err="1"/>
-              <a:t>var</a:t>
-            </a:r>
-            <a:r>
-              <a:rPr lang="en-US" dirty="0"/>
-              <a:t> </a:t>
-            </a:r>
-            <a:r>
-              <a:rPr lang="en-US" dirty="0" err="1"/>
-              <a:t>name_array</a:t>
-            </a:r>
-            <a:r>
-              <a:rPr lang="en-US" dirty="0"/>
-              <a:t> = [1,2,3</a:t>
-            </a:r>
-            <a:r>
-              <a:rPr lang="en-US" dirty="0" smtClean="0"/>
-              <a:t>];</a:t>
-            </a:r>
-          </a:p>
-          <a:p>
-            <a:pPr lvl="1"/>
-            <a:r>
-              <a:rPr lang="en-US" dirty="0" err="1"/>
-              <a:t>var</a:t>
-            </a:r>
-            <a:r>
-              <a:rPr lang="en-US" dirty="0"/>
-              <a:t> </a:t>
-            </a:r>
-            <a:r>
-              <a:rPr lang="en-US" dirty="0" err="1"/>
-              <a:t>name_array</a:t>
-            </a:r>
-            <a:r>
-              <a:rPr lang="en-US" dirty="0"/>
-              <a:t> = new Array();</a:t>
-            </a:r>
-            <a:endParaRPr lang="en-GB" dirty="0"/>
-          </a:p>
-          <a:p>
-            <a:pPr lvl="1"/>
-            <a:r>
-              <a:rPr lang="en-US" dirty="0" err="1"/>
-              <a:t>var</a:t>
-            </a:r>
-            <a:r>
-              <a:rPr lang="en-US" dirty="0"/>
-              <a:t> </a:t>
-            </a:r>
-            <a:r>
-              <a:rPr lang="en-US" dirty="0" err="1"/>
-              <a:t>name_array</a:t>
-            </a:r>
-            <a:r>
-              <a:rPr lang="en-US" dirty="0"/>
-              <a:t> = new Array(1,2,3);</a:t>
-            </a:r>
-            <a:endParaRPr lang="en-US" dirty="0" smtClean="0"/>
-          </a:p>
-          <a:p>
-            <a:r>
-              <a:rPr lang="en-US" dirty="0" err="1" smtClean="0"/>
-              <a:t>Thực</a:t>
-            </a:r>
-            <a:r>
-              <a:rPr lang="en-US" dirty="0" smtClean="0"/>
-              <a:t> </a:t>
-            </a:r>
-            <a:r>
-              <a:rPr lang="en-US" dirty="0" err="1" smtClean="0"/>
-              <a:t>chất</a:t>
-            </a:r>
-            <a:r>
-              <a:rPr lang="en-US" dirty="0" smtClean="0"/>
-              <a:t> </a:t>
-            </a:r>
-            <a:r>
-              <a:rPr lang="en-US" dirty="0" err="1" smtClean="0"/>
-              <a:t>là</a:t>
-            </a:r>
-            <a:r>
-              <a:rPr lang="en-US" smtClean="0"/>
-              <a:t> Object</a:t>
-            </a:r>
-            <a:endParaRPr lang="en-US" dirty="0" smtClean="0"/>
-          </a:p>
-          <a:p>
-            <a:r>
-              <a:rPr lang="en-US" dirty="0" smtClean="0"/>
-              <a:t>“</a:t>
-            </a:r>
-            <a:r>
-              <a:rPr lang="en-US" dirty="0" err="1"/>
-              <a:t>Chứa</a:t>
-            </a:r>
-            <a:r>
-              <a:rPr lang="en-US" dirty="0"/>
-              <a:t> </a:t>
-            </a:r>
-            <a:r>
-              <a:rPr lang="en-US" dirty="0" err="1"/>
-              <a:t>nhiều</a:t>
-            </a:r>
-            <a:r>
-              <a:rPr lang="en-US" dirty="0"/>
-              <a:t> object </a:t>
-            </a:r>
-            <a:r>
-              <a:rPr lang="en-US" dirty="0" err="1"/>
-              <a:t>khác</a:t>
-            </a:r>
-            <a:r>
-              <a:rPr lang="en-US" dirty="0"/>
-              <a:t> </a:t>
-            </a:r>
-            <a:r>
-              <a:rPr lang="en-US" dirty="0" err="1"/>
-              <a:t>loại</a:t>
-            </a:r>
-            <a:r>
-              <a:rPr lang="en-US" dirty="0"/>
-              <a:t> </a:t>
-            </a:r>
-            <a:r>
-              <a:rPr lang="en-US" dirty="0" err="1"/>
-              <a:t>nhau</a:t>
-            </a:r>
-            <a:r>
-              <a:rPr lang="en-US" dirty="0" smtClean="0"/>
-              <a:t>”</a:t>
-            </a:r>
-            <a:endParaRPr lang="en-GB" dirty="0"/>
-          </a:p>
-        </p:txBody>
-      </p:sp>
-    </p:spTree>
-    <p:extLst>
-      <p:ext uri="{BB962C8B-B14F-4D97-AF65-F5344CB8AC3E}">
-        <p14:creationId xmlns:p14="http://schemas.microsoft.com/office/powerpoint/2010/main" val="1820918618"/>
-      </p:ext>
-    </p:extLst>
-  </p:cSld>
-  <p:clrMapOvr>
-    <a:masterClrMapping/>
-  </p:clrMapOvr>
-  <p:timing>
-    <p:tnLst>
-      <p:par>
-        <p:cTn id="1" dur="indefinite" restart="never" nodeType="tmRoot"/>
-      </p:par>
-    </p:tnLst>
-  </p:timing>
-</p:sld>
-</file>
-
 <file path=ppt/slides/slide19.xml><?xml version="1.0" encoding="utf-8"?>
 <p:sld xmlns:a="http://schemas.openxmlformats.org/drawingml/2006/main" xmlns:r="http://schemas.openxmlformats.org/officeDocument/2006/relationships" xmlns:p="http://schemas.openxmlformats.org/presentationml/2006/main">
   <p:cSld>
@@ -5798,23 +5846,7 @@
           <a:p>
             <a:r>
               <a:rPr lang="en-GB" dirty="0" err="1" smtClean="0"/>
-              <a:t>Hàm</a:t>
-            </a:r>
-            <a:r>
-              <a:rPr lang="en-GB" dirty="0" smtClean="0"/>
-              <a:t> </a:t>
-            </a:r>
-            <a:r>
-              <a:rPr lang="en-GB" dirty="0" err="1" smtClean="0"/>
-              <a:t>cơ</a:t>
-            </a:r>
-            <a:r>
-              <a:rPr lang="en-GB" dirty="0" smtClean="0"/>
-              <a:t> </a:t>
-            </a:r>
-            <a:r>
-              <a:rPr lang="en-GB" dirty="0" err="1" smtClean="0"/>
-              <a:t>bản</a:t>
+              <a:t>Mảng</a:t>
             </a:r>
             <a:r>
               <a:rPr lang="en-GB" dirty="0" smtClean="0"/>
@@ -5826,7 +5858,7 @@
             </a:r>
             <a:r>
               <a:rPr lang="en-GB" dirty="0" smtClean="0"/>
-              <a:t> Array</a:t>
+              <a:t> JS</a:t>
             </a:r>
             <a:endParaRPr lang="en-GB" dirty="0"/>
           </a:p>
@@ -5847,30 +5879,68 @@
           <a:bodyPr/>
           <a:lstStyle/>
           <a:p>
-            <a:pPr lvl="0"/>
+            <a:r>
+              <a:rPr lang="en-US" dirty="0" err="1" smtClean="0"/>
+              <a:t>Khai</a:t>
+            </a:r>
+            <a:r>
+              <a:rPr lang="en-US" dirty="0" smtClean="0"/>
+              <a:t> </a:t>
+            </a:r>
+            <a:r>
+              <a:rPr lang="en-US" dirty="0" err="1" smtClean="0"/>
+              <a:t>báo</a:t>
+            </a:r>
+            <a:endParaRPr lang="en-US" dirty="0" smtClean="0"/>
+          </a:p>
+          <a:p>
+            <a:pPr lvl="1"/>
+            <a:r>
+              <a:rPr lang="en-US" dirty="0" err="1" smtClean="0"/>
+              <a:t>var</a:t>
+            </a:r>
+            <a:r>
+              <a:rPr lang="en-US" dirty="0" smtClean="0"/>
+              <a:t> </a:t>
+            </a:r>
+            <a:r>
+              <a:rPr lang="en-US" dirty="0" err="1"/>
+              <a:t>name_array</a:t>
+            </a:r>
             <a:r>
               <a:rPr lang="en-US" dirty="0"/>
-              <a:t>push (..) </a:t>
-            </a:r>
+              <a:t> = [];</a:t>
+            </a:r>
+            <a:endParaRPr lang="en-GB" dirty="0"/>
+          </a:p>
+          <a:p>
+            <a:pPr lvl="1"/>
             <a:r>
               <a:rPr lang="en-US" dirty="0" err="1"/>
-              <a:t>để</a:t>
+              <a:t>var</a:t>
             </a:r>
             <a:r>
               <a:rPr lang="en-US" dirty="0"/>
-              <a:t> add </a:t>
+              <a:t> </a:t>
             </a:r>
             <a:r>
               <a:rPr lang="en-US" dirty="0" err="1"/>
-              <a:t>thêm</a:t>
+              <a:t>name_array</a:t>
             </a:r>
             <a:r>
               <a:rPr lang="en-US" dirty="0"/>
-              <a:t> </a:t>
-            </a:r>
+              <a:t> = [1,2,3</a:t>
+            </a:r>
+            <a:r>
+              <a:rPr lang="en-US" dirty="0" smtClean="0"/>
+              <a:t>];</a:t>
+            </a:r>
+          </a:p>
+          <a:p>
+            <a:pPr lvl="1"/>
             <a:r>
               <a:rPr lang="en-US" dirty="0" err="1"/>
-              <a:t>thêm</a:t>
+              <a:t>var</a:t>
             </a:r>
             <a:r>
               <a:rPr lang="en-US" dirty="0"/>
@@ -5878,15 +5948,19 @@
             </a:r>
             <a:r>
               <a:rPr lang="en-US" dirty="0" err="1"/>
-              <a:t>phần</a:t>
+              <a:t>name_array</a:t>
             </a:r>
             <a:r>
               <a:rPr lang="en-US" dirty="0"/>
-              <a:t> </a:t>
-            </a:r>
+              <a:t> = new Array();</a:t>
+            </a:r>
+            <a:endParaRPr lang="en-GB" dirty="0"/>
+          </a:p>
+          <a:p>
+            <a:pPr lvl="1"/>
             <a:r>
               <a:rPr lang="en-US" dirty="0" err="1"/>
-              <a:t>tử</a:t>
+              <a:t>var</a:t>
             </a:r>
             <a:r>
               <a:rPr lang="en-US" dirty="0"/>
@@ -5894,31 +5968,65 @@
             </a:r>
             <a:r>
               <a:rPr lang="en-US" dirty="0" err="1"/>
-              <a:t>vào</a:t>
+              <a:t>name_array</a:t>
             </a:r>
             <a:r>
               <a:rPr lang="en-US" dirty="0"/>
-              <a:t> </a:t>
+              <a:t> = new Array(1,2,3);</a:t>
+            </a:r>
+            <a:endParaRPr lang="en-US" dirty="0" smtClean="0"/>
+          </a:p>
+          <a:p>
+            <a:r>
+              <a:rPr lang="en-US" dirty="0" err="1" smtClean="0"/>
+              <a:t>Thực</a:t>
+            </a:r>
+            <a:r>
+              <a:rPr lang="en-US" dirty="0" smtClean="0"/>
+              <a:t> </a:t>
+            </a:r>
+            <a:r>
+              <a:rPr lang="en-US" dirty="0" err="1" smtClean="0"/>
+              <a:t>chất</a:t>
+            </a:r>
+            <a:r>
+              <a:rPr lang="en-US" dirty="0" smtClean="0"/>
+              <a:t> </a:t>
+            </a:r>
+            <a:r>
+              <a:rPr lang="en-US" dirty="0" err="1" smtClean="0"/>
+              <a:t>là</a:t>
+            </a:r>
+            <a:r>
+              <a:rPr lang="en-US" smtClean="0"/>
+              <a:t> Object</a:t>
+            </a:r>
+            <a:endParaRPr lang="en-US" dirty="0" smtClean="0"/>
+          </a:p>
+          <a:p>
+            <a:r>
+              <a:rPr lang="en-US" dirty="0" smtClean="0"/>
+              <a:t>“</a:t>
             </a:r>
             <a:r>
               <a:rPr lang="en-US" dirty="0" err="1"/>
-              <a:t>mảng</a:t>
+              <a:t>Chứa</a:t>
             </a:r>
             <a:r>
               <a:rPr lang="en-US" dirty="0"/>
-              <a:t>. </a:t>
-            </a:r>
-            <a:endParaRPr lang="en-GB" dirty="0"/>
-          </a:p>
-          <a:p>
-            <a:pPr lvl="0"/>
+              <a:t> </a:t>
+            </a:r>
+            <a:r>
+              <a:rPr lang="en-US" dirty="0" err="1"/>
+              <a:t>nhiều</a:t>
+            </a:r>
             <a:r>
               <a:rPr lang="en-US" dirty="0"/>
-              <a:t>sort() </a:t>
+              <a:t> object </a:t>
             </a:r>
             <a:r>
               <a:rPr lang="en-US" dirty="0" err="1"/>
-              <a:t>để</a:t>
+              <a:t>khác</a:t>
             </a:r>
             <a:r>
               <a:rPr lang="en-US" dirty="0"/>
@@ -5926,7 +6034,7 @@
             </a:r>
             <a:r>
               <a:rPr lang="en-US" dirty="0" err="1"/>
-              <a:t>sắp</a:t>
+              <a:t>loại</a:t>
             </a:r>
             <a:r>
               <a:rPr lang="en-US" dirty="0"/>
@@ -5934,175 +6042,11 @@
             </a:r>
             <a:r>
               <a:rPr lang="en-US" dirty="0" err="1"/>
-              <a:t>xếp</a:t>
-            </a:r>
-            <a:r>
-              <a:rPr lang="en-US" dirty="0"/>
-              <a:t> </a:t>
-            </a:r>
-            <a:r>
-              <a:rPr lang="en-US" dirty="0" err="1"/>
-              <a:t>mảng</a:t>
-            </a:r>
-            <a:endParaRPr lang="en-GB" dirty="0"/>
-          </a:p>
-          <a:p>
-            <a:pPr lvl="0"/>
-            <a:r>
-              <a:rPr lang="en-US" dirty="0"/>
-              <a:t>length </a:t>
-            </a:r>
-            <a:r>
-              <a:rPr lang="en-US" dirty="0" err="1"/>
-              <a:t>để</a:t>
-            </a:r>
-            <a:r>
-              <a:rPr lang="en-US" dirty="0"/>
-              <a:t> </a:t>
-            </a:r>
-            <a:r>
-              <a:rPr lang="en-US" dirty="0" err="1"/>
-              <a:t>đếm</a:t>
-            </a:r>
-            <a:r>
-              <a:rPr lang="en-US" dirty="0"/>
-              <a:t> </a:t>
-            </a:r>
-            <a:r>
-              <a:rPr lang="en-US" dirty="0" err="1"/>
-              <a:t>tất</a:t>
-            </a:r>
-            <a:r>
-              <a:rPr lang="en-US" dirty="0"/>
-              <a:t> </a:t>
-            </a:r>
-            <a:r>
-              <a:rPr lang="en-US" dirty="0" err="1"/>
-              <a:t>cả</a:t>
-            </a:r>
-            <a:r>
-              <a:rPr lang="en-US" dirty="0"/>
-              <a:t> </a:t>
-            </a:r>
-            <a:r>
-              <a:rPr lang="en-US" dirty="0" err="1"/>
-              <a:t>các</a:t>
-            </a:r>
-            <a:r>
-              <a:rPr lang="en-US" dirty="0"/>
-              <a:t> </a:t>
-            </a:r>
-            <a:r>
-              <a:rPr lang="en-US" dirty="0" err="1"/>
-              <a:t>phần</a:t>
-            </a:r>
-            <a:r>
-              <a:rPr lang="en-US" dirty="0"/>
-              <a:t> </a:t>
-            </a:r>
-            <a:r>
-              <a:rPr lang="en-US" dirty="0" err="1"/>
-              <a:t>tử</a:t>
-            </a:r>
-            <a:r>
-              <a:rPr lang="en-US" dirty="0"/>
-              <a:t> </a:t>
-            </a:r>
-            <a:r>
-              <a:rPr lang="en-US" dirty="0" err="1"/>
-              <a:t>của</a:t>
-            </a:r>
-            <a:r>
-              <a:rPr lang="en-US" dirty="0"/>
-              <a:t> </a:t>
-            </a:r>
-            <a:r>
-              <a:rPr lang="en-US" dirty="0" err="1"/>
-              <a:t>mảng</a:t>
-            </a:r>
-            <a:endParaRPr lang="en-GB" dirty="0"/>
-          </a:p>
-          <a:p>
-            <a:pPr lvl="0"/>
-            <a:r>
-              <a:rPr lang="en-US" dirty="0" err="1"/>
-              <a:t>tên</a:t>
-            </a:r>
-            <a:r>
-              <a:rPr lang="en-US" dirty="0"/>
-              <a:t> </a:t>
-            </a:r>
-            <a:r>
-              <a:rPr lang="en-US" dirty="0" err="1"/>
-              <a:t>mảng</a:t>
-            </a:r>
-            <a:r>
-              <a:rPr lang="en-US" dirty="0"/>
-              <a:t>[index] </a:t>
-            </a:r>
-            <a:r>
-              <a:rPr lang="en-US" dirty="0" err="1"/>
-              <a:t>để</a:t>
-            </a:r>
-            <a:r>
-              <a:rPr lang="en-US" dirty="0"/>
-              <a:t> </a:t>
-            </a:r>
-            <a:r>
-              <a:rPr lang="en-US" dirty="0" err="1"/>
-              <a:t>lấy</a:t>
-            </a:r>
-            <a:r>
-              <a:rPr lang="en-US" dirty="0"/>
-              <a:t> </a:t>
-            </a:r>
-            <a:r>
-              <a:rPr lang="en-US" dirty="0" err="1"/>
-              <a:t>ra</a:t>
-            </a:r>
-            <a:r>
-              <a:rPr lang="en-US" dirty="0"/>
-              <a:t> </a:t>
-            </a:r>
-            <a:r>
-              <a:rPr lang="en-US" dirty="0" err="1"/>
-              <a:t>phần</a:t>
-            </a:r>
-            <a:r>
-              <a:rPr lang="en-US" dirty="0"/>
-              <a:t> </a:t>
-            </a:r>
-            <a:r>
-              <a:rPr lang="en-US" dirty="0" err="1"/>
-              <a:t>tử</a:t>
-            </a:r>
-            <a:r>
-              <a:rPr lang="en-US" dirty="0"/>
-              <a:t> </a:t>
-            </a:r>
-            <a:r>
-              <a:rPr lang="en-US" dirty="0" err="1"/>
-              <a:t>thứ</a:t>
-            </a:r>
-            <a:r>
-              <a:rPr lang="en-US" dirty="0"/>
-              <a:t> index </a:t>
-            </a:r>
-            <a:r>
-              <a:rPr lang="en-US" dirty="0" err="1"/>
-              <a:t>của</a:t>
-            </a:r>
-            <a:r>
-              <a:rPr lang="en-US" dirty="0"/>
-              <a:t> </a:t>
-            </a:r>
-            <a:r>
-              <a:rPr lang="en-US" dirty="0" err="1"/>
-              <a:t>mảng</a:t>
-            </a:r>
-            <a:r>
-              <a:rPr lang="en-US" dirty="0"/>
-              <a:t>.</a:t>
+              <a:t>nhau</a:t>
+            </a:r>
+            <a:r>
+              <a:rPr lang="en-US" dirty="0" smtClean="0"/>
+              <a:t>”</a:t>
             </a:r>
             <a:endParaRPr lang="en-GB" dirty="0"/>
           </a:p>
@@ -6111,7 +6055,7 @@
     </p:spTree>
     <p:extLst>
       <p:ext uri="{BB962C8B-B14F-4D97-AF65-F5344CB8AC3E}">
-        <p14:creationId xmlns:p14="http://schemas.microsoft.com/office/powerpoint/2010/main" val="2328307866"/>
+        <p14:creationId xmlns:p14="http://schemas.microsoft.com/office/powerpoint/2010/main" val="1820918618"/>
       </p:ext>
     </p:extLst>
   </p:cSld>
@@ -6312,8 +6256,9 @@
             <a:pPr lvl="1"/>
             <a:r>
               <a:rPr lang="en-US" dirty="0" smtClean="0"/>
-              <a:t>Other:</a:t>
-            </a:r>
+              <a:t>Other</a:t>
+            </a:r>
+            <a:endParaRPr lang="en-US" dirty="0" smtClean="0"/>
           </a:p>
           <a:p>
             <a:r>
@@ -6362,6 +6307,370 @@
 </file>
 
 <file path=ppt/slides/slide20.xml><?xml version="1.0" encoding="utf-8"?>
+<p:sld xmlns:a="http://schemas.openxmlformats.org/drawingml/2006/main" xmlns:r="http://schemas.openxmlformats.org/officeDocument/2006/relationships" xmlns:p="http://schemas.openxmlformats.org/presentationml/2006/main">
+  <p:cSld>
+    <p:spTree>
+      <p:nvGrpSpPr>
+        <p:cNvPr id="1" name=""/>
+        <p:cNvGrpSpPr/>
+        <p:nvPr/>
+      </p:nvGrpSpPr>
+      <p:grpSpPr>
+        <a:xfrm>
+          <a:off x="0" y="0"/>
+          <a:ext cx="0" cy="0"/>
+          <a:chOff x="0" y="0"/>
+          <a:chExt cx="0" cy="0"/>
+        </a:xfrm>
+      </p:grpSpPr>
+      <p:sp>
+        <p:nvSpPr>
+          <p:cNvPr id="2" name="Title 1"/>
+          <p:cNvSpPr>
+            <a:spLocks noGrp="1"/>
+          </p:cNvSpPr>
+          <p:nvPr>
+            <p:ph type="title"/>
+          </p:nvPr>
+        </p:nvSpPr>
+        <p:spPr/>
+        <p:txBody>
+          <a:bodyPr/>
+          <a:lstStyle/>
+          <a:p>
+            <a:r>
+              <a:rPr lang="en-GB" dirty="0" err="1" smtClean="0"/>
+              <a:t>Hàm</a:t>
+            </a:r>
+            <a:r>
+              <a:rPr lang="en-GB" dirty="0" smtClean="0"/>
+              <a:t> </a:t>
+            </a:r>
+            <a:r>
+              <a:rPr lang="en-GB" dirty="0" err="1" smtClean="0"/>
+              <a:t>cơ</a:t>
+            </a:r>
+            <a:r>
+              <a:rPr lang="en-GB" dirty="0" smtClean="0"/>
+              <a:t> </a:t>
+            </a:r>
+            <a:r>
+              <a:rPr lang="en-GB" dirty="0" err="1" smtClean="0"/>
+              <a:t>bản</a:t>
+            </a:r>
+            <a:r>
+              <a:rPr lang="en-GB" dirty="0" smtClean="0"/>
+              <a:t> </a:t>
+            </a:r>
+            <a:r>
+              <a:rPr lang="en-GB" dirty="0" err="1" smtClean="0"/>
+              <a:t>trong</a:t>
+            </a:r>
+            <a:r>
+              <a:rPr lang="en-GB" dirty="0" smtClean="0"/>
+              <a:t> Array</a:t>
+            </a:r>
+            <a:endParaRPr lang="en-GB" dirty="0"/>
+          </a:p>
+        </p:txBody>
+      </p:sp>
+      <p:sp>
+        <p:nvSpPr>
+          <p:cNvPr id="3" name="Content Placeholder 2"/>
+          <p:cNvSpPr>
+            <a:spLocks noGrp="1"/>
+          </p:cNvSpPr>
+          <p:nvPr>
+            <p:ph idx="1"/>
+          </p:nvPr>
+        </p:nvSpPr>
+        <p:spPr/>
+        <p:txBody>
+          <a:bodyPr/>
+          <a:lstStyle/>
+          <a:p>
+            <a:pPr lvl="0"/>
+            <a:r>
+              <a:rPr lang="en-US" dirty="0"/>
+              <a:t>push (..) </a:t>
+            </a:r>
+            <a:r>
+              <a:rPr lang="en-US" dirty="0" err="1"/>
+              <a:t>để</a:t>
+            </a:r>
+            <a:r>
+              <a:rPr lang="en-US" dirty="0"/>
+              <a:t> add </a:t>
+            </a:r>
+            <a:r>
+              <a:rPr lang="en-US" dirty="0" err="1"/>
+              <a:t>thêm</a:t>
+            </a:r>
+            <a:r>
+              <a:rPr lang="en-US" dirty="0"/>
+              <a:t> </a:t>
+            </a:r>
+            <a:r>
+              <a:rPr lang="en-US" dirty="0" err="1"/>
+              <a:t>thêm</a:t>
+            </a:r>
+            <a:r>
+              <a:rPr lang="en-US" dirty="0"/>
+              <a:t> </a:t>
+            </a:r>
+            <a:r>
+              <a:rPr lang="en-US" dirty="0" err="1"/>
+              <a:t>phần</a:t>
+            </a:r>
+            <a:r>
+              <a:rPr lang="en-US" dirty="0"/>
+              <a:t> </a:t>
+            </a:r>
+            <a:r>
+              <a:rPr lang="en-US" dirty="0" err="1"/>
+              <a:t>tử</a:t>
+            </a:r>
+            <a:r>
+              <a:rPr lang="en-US" dirty="0"/>
+              <a:t> </a:t>
+            </a:r>
+            <a:r>
+              <a:rPr lang="en-US" dirty="0" err="1"/>
+              <a:t>vào</a:t>
+            </a:r>
+            <a:r>
+              <a:rPr lang="en-US" dirty="0"/>
+              <a:t> </a:t>
+            </a:r>
+            <a:r>
+              <a:rPr lang="en-US" dirty="0" err="1"/>
+              <a:t>mảng</a:t>
+            </a:r>
+            <a:r>
+              <a:rPr lang="en-US" dirty="0"/>
+              <a:t>. </a:t>
+            </a:r>
+            <a:endParaRPr lang="en-GB" dirty="0"/>
+          </a:p>
+          <a:p>
+            <a:pPr lvl="0"/>
+            <a:r>
+              <a:rPr lang="en-US" dirty="0"/>
+              <a:t>sort() </a:t>
+            </a:r>
+            <a:r>
+              <a:rPr lang="en-US" dirty="0" err="1"/>
+              <a:t>để</a:t>
+            </a:r>
+            <a:r>
+              <a:rPr lang="en-US" dirty="0"/>
+              <a:t> </a:t>
+            </a:r>
+            <a:r>
+              <a:rPr lang="en-US" dirty="0" err="1"/>
+              <a:t>sắp</a:t>
+            </a:r>
+            <a:r>
+              <a:rPr lang="en-US" dirty="0"/>
+              <a:t> </a:t>
+            </a:r>
+            <a:r>
+              <a:rPr lang="en-US" dirty="0" err="1"/>
+              <a:t>xếp</a:t>
+            </a:r>
+            <a:r>
+              <a:rPr lang="en-US" dirty="0"/>
+              <a:t> </a:t>
+            </a:r>
+            <a:r>
+              <a:rPr lang="en-US" dirty="0" err="1"/>
+              <a:t>mảng</a:t>
+            </a:r>
+            <a:endParaRPr lang="en-GB" dirty="0"/>
+          </a:p>
+          <a:p>
+            <a:pPr lvl="0"/>
+            <a:r>
+              <a:rPr lang="en-US" dirty="0"/>
+              <a:t>length </a:t>
+            </a:r>
+            <a:r>
+              <a:rPr lang="en-US" dirty="0" err="1"/>
+              <a:t>để</a:t>
+            </a:r>
+            <a:r>
+              <a:rPr lang="en-US" dirty="0"/>
+              <a:t> </a:t>
+            </a:r>
+            <a:r>
+              <a:rPr lang="en-US" dirty="0" err="1"/>
+              <a:t>đếm</a:t>
+            </a:r>
+            <a:r>
+              <a:rPr lang="en-US" dirty="0"/>
+              <a:t> </a:t>
+            </a:r>
+            <a:r>
+              <a:rPr lang="en-US" dirty="0" err="1"/>
+              <a:t>tất</a:t>
+            </a:r>
+            <a:r>
+              <a:rPr lang="en-US" dirty="0"/>
+              <a:t> </a:t>
+            </a:r>
+            <a:r>
+              <a:rPr lang="en-US" dirty="0" err="1"/>
+              <a:t>cả</a:t>
+            </a:r>
+            <a:r>
+              <a:rPr lang="en-US" dirty="0"/>
+              <a:t> </a:t>
+            </a:r>
+            <a:r>
+              <a:rPr lang="en-US" dirty="0" err="1"/>
+              <a:t>các</a:t>
+            </a:r>
+            <a:r>
+              <a:rPr lang="en-US" dirty="0"/>
+              <a:t> </a:t>
+            </a:r>
+            <a:r>
+              <a:rPr lang="en-US" dirty="0" err="1"/>
+              <a:t>phần</a:t>
+            </a:r>
+            <a:r>
+              <a:rPr lang="en-US" dirty="0"/>
+              <a:t> </a:t>
+            </a:r>
+            <a:r>
+              <a:rPr lang="en-US" dirty="0" err="1"/>
+              <a:t>tử</a:t>
+            </a:r>
+            <a:r>
+              <a:rPr lang="en-US" dirty="0"/>
+              <a:t> </a:t>
+            </a:r>
+            <a:r>
+              <a:rPr lang="en-US" dirty="0" err="1"/>
+              <a:t>của</a:t>
+            </a:r>
+            <a:r>
+              <a:rPr lang="en-US" dirty="0"/>
+              <a:t> </a:t>
+            </a:r>
+            <a:r>
+              <a:rPr lang="en-US" dirty="0" err="1"/>
+              <a:t>mảng</a:t>
+            </a:r>
+            <a:endParaRPr lang="en-GB" dirty="0"/>
+          </a:p>
+          <a:p>
+            <a:pPr lvl="0"/>
+            <a:r>
+              <a:rPr lang="en-US" dirty="0" err="1"/>
+              <a:t>tên</a:t>
+            </a:r>
+            <a:r>
+              <a:rPr lang="en-US" dirty="0"/>
+              <a:t> </a:t>
+            </a:r>
+            <a:r>
+              <a:rPr lang="en-US" dirty="0" err="1"/>
+              <a:t>mảng</a:t>
+            </a:r>
+            <a:r>
+              <a:rPr lang="en-US" dirty="0"/>
+              <a:t>[index] </a:t>
+            </a:r>
+            <a:r>
+              <a:rPr lang="en-US" dirty="0" err="1"/>
+              <a:t>để</a:t>
+            </a:r>
+            <a:r>
+              <a:rPr lang="en-US" dirty="0"/>
+              <a:t> </a:t>
+            </a:r>
+            <a:r>
+              <a:rPr lang="en-US" dirty="0" err="1"/>
+              <a:t>lấy</a:t>
+            </a:r>
+            <a:r>
+              <a:rPr lang="en-US" dirty="0"/>
+              <a:t> </a:t>
+            </a:r>
+            <a:r>
+              <a:rPr lang="en-US" dirty="0" err="1"/>
+              <a:t>ra</a:t>
+            </a:r>
+            <a:r>
+              <a:rPr lang="en-US" dirty="0"/>
+              <a:t> </a:t>
+            </a:r>
+            <a:r>
+              <a:rPr lang="en-US" dirty="0" err="1"/>
+              <a:t>phần</a:t>
+            </a:r>
+            <a:r>
+              <a:rPr lang="en-US" dirty="0"/>
+              <a:t> </a:t>
+            </a:r>
+            <a:r>
+              <a:rPr lang="en-US" dirty="0" err="1"/>
+              <a:t>tử</a:t>
+            </a:r>
+            <a:r>
+              <a:rPr lang="en-US" dirty="0"/>
+              <a:t> </a:t>
+            </a:r>
+            <a:r>
+              <a:rPr lang="en-US" dirty="0" err="1"/>
+              <a:t>thứ</a:t>
+            </a:r>
+            <a:r>
+              <a:rPr lang="en-US" dirty="0"/>
+              <a:t> index </a:t>
+            </a:r>
+            <a:r>
+              <a:rPr lang="en-US" dirty="0" err="1"/>
+              <a:t>của</a:t>
+            </a:r>
+            <a:r>
+              <a:rPr lang="en-US" dirty="0"/>
+              <a:t> </a:t>
+            </a:r>
+            <a:r>
+              <a:rPr lang="en-US" dirty="0" err="1"/>
+              <a:t>mảng</a:t>
+            </a:r>
+            <a:r>
+              <a:rPr lang="en-US" dirty="0"/>
+              <a:t>.</a:t>
+            </a:r>
+            <a:endParaRPr lang="en-GB" dirty="0"/>
+          </a:p>
+        </p:txBody>
+      </p:sp>
+    </p:spTree>
+    <p:extLst>
+      <p:ext uri="{BB962C8B-B14F-4D97-AF65-F5344CB8AC3E}">
+        <p14:creationId xmlns:p14="http://schemas.microsoft.com/office/powerpoint/2010/main" val="2328307866"/>
+      </p:ext>
+    </p:extLst>
+  </p:cSld>
+  <p:clrMapOvr>
+    <a:masterClrMapping/>
+  </p:clrMapOvr>
+  <p:timing>
+    <p:tnLst>
+      <p:par>
+        <p:cTn id="1" dur="indefinite" restart="never" nodeType="tmRoot"/>
+      </p:par>
+    </p:tnLst>
+  </p:timing>
+</p:sld>
+</file>
+
+<file path=ppt/slides/slide21.xml><?xml version="1.0" encoding="utf-8"?>
 <p:sld xmlns:a="http://schemas.openxmlformats.org/drawingml/2006/main" xmlns:r="http://schemas.openxmlformats.org/officeDocument/2006/relationships" xmlns:p="http://schemas.openxmlformats.org/presentationml/2006/main">
   <p:cSld>
     <p:spTree>
@@ -6585,7 +6894,7 @@
 </p:sld>
 </file>
 
-<file path=ppt/slides/slide21.xml><?xml version="1.0" encoding="utf-8"?>
+<file path=ppt/slides/slide22.xml><?xml version="1.0" encoding="utf-8"?>
 <p:sld xmlns:a="http://schemas.openxmlformats.org/drawingml/2006/main" xmlns:r="http://schemas.openxmlformats.org/officeDocument/2006/relationships" xmlns:p="http://schemas.openxmlformats.org/presentationml/2006/main">
   <p:cSld>
     <p:spTree>
@@ -7732,6 +8041,10 @@
               <a:rPr lang="en-US" dirty="0" err="1" smtClean="0"/>
               <a:t>thị</a:t>
             </a:r>
+            <a:r>
+              <a:rPr lang="en-US" smtClean="0"/>
+              <a:t> (2)</a:t>
+            </a:r>
             <a:endParaRPr lang="en-GB" dirty="0"/>
           </a:p>
         </p:txBody>
@@ -7748,7 +8061,9 @@
         </p:nvSpPr>
         <p:spPr/>
         <p:txBody>
-          <a:bodyPr/>
+          <a:bodyPr>
+            <a:normAutofit/>
+          </a:bodyPr>
           <a:lstStyle/>
           <a:p>
             <a:r>
@@ -7765,138 +8080,140 @@
             </a:r>
             <a:r>
               <a:rPr lang="en-US" dirty="0" smtClean="0"/>
-              <a:t> qua Element HTML</a:t>
-            </a:r>
+              <a:t> </a:t>
+            </a:r>
+            <a:r>
+              <a:rPr lang="en-US" dirty="0" err="1" smtClean="0"/>
+              <a:t>dựa</a:t>
+            </a:r>
+            <a:r>
+              <a:rPr lang="en-US" dirty="0" smtClean="0"/>
+              <a:t> </a:t>
+            </a:r>
+            <a:r>
+              <a:rPr lang="en-US" dirty="0" err="1" smtClean="0"/>
+              <a:t>vào</a:t>
+            </a:r>
+            <a:r>
+              <a:rPr lang="en-US" dirty="0" smtClean="0"/>
+              <a:t> </a:t>
+            </a:r>
+            <a:r>
+              <a:rPr lang="en-US" dirty="0"/>
+              <a:t>HTML </a:t>
+            </a:r>
+            <a:r>
+              <a:rPr lang="en-US" dirty="0" smtClean="0"/>
+              <a:t>Element - </a:t>
+            </a:r>
+            <a:r>
+              <a:rPr lang="en-US" dirty="0"/>
+              <a:t>DOM</a:t>
+            </a:r>
+          </a:p>
+          <a:p>
+            <a:r>
+              <a:rPr lang="en-US" dirty="0" err="1" smtClean="0"/>
+              <a:t>Tác</a:t>
+            </a:r>
+            <a:r>
+              <a:rPr lang="en-US" dirty="0" smtClean="0"/>
+              <a:t> </a:t>
+            </a:r>
+            <a:r>
+              <a:rPr lang="en-US" dirty="0" err="1" smtClean="0"/>
+              <a:t>động</a:t>
+            </a:r>
+            <a:r>
+              <a:rPr lang="en-US" dirty="0" smtClean="0"/>
+              <a:t> qua </a:t>
+            </a:r>
+            <a:r>
+              <a:rPr lang="en-US" dirty="0" err="1" smtClean="0"/>
+              <a:t>thuộc</a:t>
+            </a:r>
+            <a:r>
+              <a:rPr lang="en-US" dirty="0" smtClean="0"/>
+              <a:t> </a:t>
+            </a:r>
+            <a:r>
+              <a:rPr lang="en-US" dirty="0" err="1" smtClean="0"/>
+              <a:t>tính</a:t>
+            </a:r>
+            <a:r>
+              <a:rPr lang="en-US" dirty="0"/>
+              <a:t> </a:t>
+            </a:r>
+            <a:r>
+              <a:rPr lang="en-US" dirty="0" err="1"/>
+              <a:t>của</a:t>
+            </a:r>
+            <a:r>
+              <a:rPr lang="en-US" dirty="0"/>
+              <a:t> </a:t>
+            </a:r>
+            <a:r>
+              <a:rPr lang="en-US" dirty="0" smtClean="0"/>
+              <a:t>DOM</a:t>
+            </a:r>
+            <a:endParaRPr lang="en-US" dirty="0" smtClean="0"/>
           </a:p>
           <a:p>
             <a:pPr lvl="1"/>
             <a:r>
-              <a:rPr lang="en-US" dirty="0" err="1" smtClean="0"/>
+              <a:rPr lang="en-US" sz="3200" dirty="0" err="1" smtClean="0"/>
               <a:t>innerHTML</a:t>
             </a:r>
-            <a:endParaRPr lang="en-US" dirty="0" smtClean="0"/>
+            <a:endParaRPr lang="en-US" sz="3200" dirty="0" smtClean="0"/>
           </a:p>
           <a:p>
             <a:pPr lvl="1"/>
             <a:r>
-              <a:rPr lang="en-US" dirty="0" smtClean="0"/>
+              <a:rPr lang="en-US" sz="3200" dirty="0" smtClean="0"/>
               <a:t>Add </a:t>
             </a:r>
             <a:r>
-              <a:rPr lang="en-US" dirty="0" err="1" smtClean="0"/>
+              <a:rPr lang="en-US" sz="3200" dirty="0" err="1" smtClean="0"/>
               <a:t>hoặc</a:t>
             </a:r>
             <a:r>
-              <a:rPr lang="en-US" dirty="0" smtClean="0"/>
-              <a:t> remove Class</a:t>
-            </a:r>
-          </a:p>
-          <a:p>
-            <a:r>
-              <a:rPr lang="en-US" dirty="0" err="1" smtClean="0"/>
-              <a:t>Tác</a:t>
-            </a:r>
-            <a:r>
-              <a:rPr lang="en-US" dirty="0" smtClean="0"/>
-              <a:t> </a:t>
-            </a:r>
-            <a:r>
-              <a:rPr lang="en-US" dirty="0" err="1" smtClean="0"/>
-              <a:t>động</a:t>
-            </a:r>
-            <a:r>
-              <a:rPr lang="en-US" dirty="0" smtClean="0"/>
-              <a:t> </a:t>
-            </a:r>
-            <a:r>
-              <a:rPr lang="en-US" dirty="0" err="1" smtClean="0"/>
-              <a:t>lên</a:t>
-            </a:r>
-            <a:r>
-              <a:rPr lang="en-US" dirty="0" smtClean="0"/>
-              <a:t> </a:t>
-            </a:r>
-            <a:r>
-              <a:rPr lang="en-US" dirty="0" err="1" smtClean="0"/>
-              <a:t>các</a:t>
-            </a:r>
-            <a:r>
-              <a:rPr lang="en-US" dirty="0" smtClean="0"/>
-              <a:t> HTML element </a:t>
-            </a:r>
-            <a:r>
-              <a:rPr lang="en-US" dirty="0" err="1" smtClean="0"/>
-              <a:t>để</a:t>
-            </a:r>
-            <a:r>
-              <a:rPr lang="en-US" dirty="0" smtClean="0"/>
-              <a:t> </a:t>
-            </a:r>
-            <a:r>
-              <a:rPr lang="en-US" dirty="0" err="1" smtClean="0"/>
-              <a:t>thay</a:t>
-            </a:r>
-            <a:r>
-              <a:rPr lang="en-US" dirty="0" smtClean="0"/>
-              <a:t> </a:t>
-            </a:r>
-            <a:r>
-              <a:rPr lang="en-US" dirty="0" err="1" smtClean="0"/>
-              <a:t>đổi</a:t>
-            </a:r>
-            <a:r>
-              <a:rPr lang="en-US" dirty="0" smtClean="0"/>
-              <a:t> </a:t>
-            </a:r>
-            <a:r>
-              <a:rPr lang="en-US" dirty="0" err="1" smtClean="0"/>
-              <a:t>hiển</a:t>
-            </a:r>
-            <a:r>
-              <a:rPr lang="en-US" dirty="0" smtClean="0"/>
-              <a:t> </a:t>
-            </a:r>
-            <a:r>
-              <a:rPr lang="en-US" dirty="0" err="1" smtClean="0"/>
-              <a:t>thị</a:t>
-            </a:r>
-            <a:endParaRPr lang="en-US" dirty="0"/>
+              <a:rPr lang="en-US" sz="3200" dirty="0" smtClean="0"/>
+              <a:t> remove </a:t>
+            </a:r>
+            <a:r>
+              <a:rPr lang="en-US" sz="3200" dirty="0" smtClean="0"/>
+              <a:t>Class</a:t>
+            </a:r>
           </a:p>
           <a:p>
             <a:pPr lvl="1"/>
             <a:r>
-              <a:rPr lang="en-GB" dirty="0" err="1" smtClean="0"/>
-              <a:t>innerHTML</a:t>
-            </a:r>
+              <a:rPr lang="en-GB" sz="3200" dirty="0" err="1"/>
+              <a:t>Thuộc</a:t>
+            </a:r>
+            <a:r>
+              <a:rPr lang="en-GB" sz="3200" dirty="0"/>
+              <a:t> </a:t>
+            </a:r>
+            <a:r>
+              <a:rPr lang="en-GB" sz="3200" dirty="0" err="1"/>
+              <a:t>tính</a:t>
+            </a:r>
+            <a:r>
+              <a:rPr lang="en-GB" sz="3200" dirty="0"/>
+              <a:t> </a:t>
+            </a:r>
+            <a:r>
+              <a:rPr lang="en-GB" sz="3200" dirty="0" err="1"/>
+              <a:t>element.style</a:t>
+            </a:r>
+            <a:r>
+              <a:rPr lang="en-GB" sz="3200" dirty="0" smtClean="0"/>
+              <a:t>….</a:t>
+            </a:r>
+          </a:p>
+          <a:p>
             <a:endParaRPr lang="en-GB" dirty="0" smtClean="0"/>
-          </a:p>
-          <a:p>
-            <a:pPr lvl="1"/>
-            <a:r>
-              <a:rPr lang="en-GB" dirty="0" err="1" smtClean="0"/>
-              <a:t>Thuộc</a:t>
-            </a:r>
-            <a:r>
-              <a:rPr lang="en-GB" dirty="0" smtClean="0"/>
-              <a:t> </a:t>
-            </a:r>
-            <a:r>
-              <a:rPr lang="en-GB" dirty="0" err="1" smtClean="0"/>
-              <a:t>tính</a:t>
-            </a:r>
-            <a:r>
-              <a:rPr lang="en-GB" dirty="0" smtClean="0"/>
-              <a:t> </a:t>
-            </a:r>
-            <a:r>
-              <a:rPr lang="en-GB" dirty="0" err="1" smtClean="0"/>
-              <a:t>element.style</a:t>
-            </a:r>
-            <a:r>
-              <a:rPr lang="en-GB" dirty="0" smtClean="0"/>
-              <a:t>….</a:t>
-            </a:r>
-            <a:endParaRPr lang="en-GB" dirty="0"/>
           </a:p>
         </p:txBody>
       </p:sp>
@@ -7921,6 +8238,223 @@
 </file>
 
 <file path=ppt/slides/slide7.xml><?xml version="1.0" encoding="utf-8"?>
+<p:sld xmlns:a="http://schemas.openxmlformats.org/drawingml/2006/main" xmlns:r="http://schemas.openxmlformats.org/officeDocument/2006/relationships" xmlns:p="http://schemas.openxmlformats.org/presentationml/2006/main">
+  <p:cSld>
+    <p:spTree>
+      <p:nvGrpSpPr>
+        <p:cNvPr id="1" name=""/>
+        <p:cNvGrpSpPr/>
+        <p:nvPr/>
+      </p:nvGrpSpPr>
+      <p:grpSpPr>
+        <a:xfrm>
+          <a:off x="0" y="0"/>
+          <a:ext cx="0" cy="0"/>
+          <a:chOff x="0" y="0"/>
+          <a:chExt cx="0" cy="0"/>
+        </a:xfrm>
+      </p:grpSpPr>
+      <p:sp>
+        <p:nvSpPr>
+          <p:cNvPr id="2" name="Title 1"/>
+          <p:cNvSpPr>
+            <a:spLocks noGrp="1"/>
+          </p:cNvSpPr>
+          <p:nvPr>
+            <p:ph type="title"/>
+          </p:nvPr>
+        </p:nvSpPr>
+        <p:spPr/>
+        <p:txBody>
+          <a:bodyPr/>
+          <a:lstStyle/>
+          <a:p>
+            <a:r>
+              <a:rPr lang="en-US" dirty="0" err="1"/>
+              <a:t>Cách</a:t>
+            </a:r>
+            <a:r>
+              <a:rPr lang="en-US" dirty="0"/>
+              <a:t> </a:t>
+            </a:r>
+            <a:r>
+              <a:rPr lang="en-US" dirty="0" err="1"/>
+              <a:t>thay</a:t>
+            </a:r>
+            <a:r>
+              <a:rPr lang="en-US" dirty="0"/>
+              <a:t> </a:t>
+            </a:r>
+            <a:r>
+              <a:rPr lang="en-US" dirty="0" err="1"/>
+              <a:t>đổi</a:t>
+            </a:r>
+            <a:r>
+              <a:rPr lang="en-US" dirty="0"/>
+              <a:t> </a:t>
+            </a:r>
+            <a:r>
+              <a:rPr lang="en-US" dirty="0" err="1"/>
+              <a:t>hiển</a:t>
+            </a:r>
+            <a:r>
+              <a:rPr lang="en-US" dirty="0"/>
+              <a:t> </a:t>
+            </a:r>
+            <a:r>
+              <a:rPr lang="en-US" dirty="0" err="1" smtClean="0"/>
+              <a:t>thị</a:t>
+            </a:r>
+            <a:r>
+              <a:rPr lang="en-US" dirty="0" smtClean="0"/>
+              <a:t> (2)</a:t>
+            </a:r>
+            <a:endParaRPr lang="en-US" dirty="0"/>
+          </a:p>
+        </p:txBody>
+      </p:sp>
+      <p:pic>
+        <p:nvPicPr>
+          <p:cNvPr id="1028" name="Picture 4" descr="Image result for dom and bom\"/>
+          <p:cNvPicPr>
+            <a:picLocks noChangeAspect="1" noChangeArrowheads="1"/>
+          </p:cNvPicPr>
+          <p:nvPr/>
+        </p:nvPicPr>
+        <p:blipFill>
+          <a:blip r:embed="rId2">
+            <a:extLst>
+              <a:ext uri="{28A0092B-C50C-407E-A947-70E740481C1C}">
+                <a14:useLocalDpi xmlns:a14="http://schemas.microsoft.com/office/drawing/2010/main" val="0"/>
+              </a:ext>
+            </a:extLst>
+          </a:blip>
+          <a:srcRect/>
+          <a:stretch>
+            <a:fillRect/>
+          </a:stretch>
+        </p:blipFill>
+        <p:spPr bwMode="auto">
+          <a:xfrm>
+            <a:off x="838200" y="1600200"/>
+            <a:ext cx="7518015" cy="4114800"/>
+          </a:xfrm>
+          <a:prstGeom prst="rect">
+            <a:avLst/>
+          </a:prstGeom>
+          <a:noFill/>
+          <a:extLst>
+            <a:ext uri="{909E8E84-426E-40DD-AFC4-6F175D3DCCD1}">
+              <a14:hiddenFill xmlns:a14="http://schemas.microsoft.com/office/drawing/2010/main">
+                <a:solidFill>
+                  <a:srgbClr val="FFFFFF"/>
+                </a:solidFill>
+              </a14:hiddenFill>
+            </a:ext>
+          </a:extLst>
+        </p:spPr>
+      </p:pic>
+      <p:sp>
+        <p:nvSpPr>
+          <p:cNvPr id="4" name="TextBox 3"/>
+          <p:cNvSpPr txBox="1"/>
+          <p:nvPr/>
+        </p:nvSpPr>
+        <p:spPr>
+          <a:xfrm>
+            <a:off x="2463606" y="6022032"/>
+            <a:ext cx="4267201" cy="461665"/>
+          </a:xfrm>
+          <a:prstGeom prst="rect">
+            <a:avLst/>
+          </a:prstGeom>
+        </p:spPr>
+        <p:style>
+          <a:lnRef idx="2">
+            <a:schemeClr val="accent3"/>
+          </a:lnRef>
+          <a:fillRef idx="1">
+            <a:schemeClr val="lt1"/>
+          </a:fillRef>
+          <a:effectRef idx="0">
+            <a:schemeClr val="accent3"/>
+          </a:effectRef>
+          <a:fontRef idx="minor">
+            <a:schemeClr val="dk1"/>
+          </a:fontRef>
+        </p:style>
+        <p:txBody>
+          <a:bodyPr wrap="square" rtlCol="0">
+            <a:spAutoFit/>
+          </a:bodyPr>
+          <a:lstStyle/>
+          <a:p>
+            <a:r>
+              <a:rPr lang="en-US" sz="2400" dirty="0" smtClean="0"/>
+              <a:t>DOM  - Document Object Model</a:t>
+            </a:r>
+            <a:endParaRPr lang="en-US" sz="2400" dirty="0"/>
+          </a:p>
+        </p:txBody>
+      </p:sp>
+      <p:sp>
+        <p:nvSpPr>
+          <p:cNvPr id="6" name="Rectangle 5"/>
+          <p:cNvSpPr/>
+          <p:nvPr/>
+        </p:nvSpPr>
+        <p:spPr>
+          <a:xfrm>
+            <a:off x="609600" y="1447800"/>
+            <a:ext cx="1295400" cy="838200"/>
+          </a:xfrm>
+          <a:prstGeom prst="rect">
+            <a:avLst/>
+          </a:prstGeom>
+        </p:spPr>
+        <p:style>
+          <a:lnRef idx="2">
+            <a:schemeClr val="accent1">
+              <a:shade val="50000"/>
+            </a:schemeClr>
+          </a:lnRef>
+          <a:fillRef idx="1">
+            <a:schemeClr val="accent1"/>
+          </a:fillRef>
+          <a:effectRef idx="0">
+            <a:schemeClr val="accent1"/>
+          </a:effectRef>
+          <a:fontRef idx="minor">
+            <a:schemeClr val="lt1"/>
+          </a:fontRef>
+        </p:style>
+        <p:txBody>
+          <a:bodyPr rtlCol="0" anchor="ctr"/>
+          <a:lstStyle/>
+          <a:p>
+            <a:pPr algn="ctr"/>
+            <a:r>
+              <a:rPr lang="en-US" dirty="0" smtClean="0"/>
+              <a:t>DOM</a:t>
+            </a:r>
+            <a:endParaRPr lang="en-US" dirty="0"/>
+          </a:p>
+        </p:txBody>
+      </p:sp>
+    </p:spTree>
+    <p:extLst>
+      <p:ext uri="{BB962C8B-B14F-4D97-AF65-F5344CB8AC3E}">
+        <p14:creationId xmlns:p14="http://schemas.microsoft.com/office/powerpoint/2010/main" val="2458332053"/>
+      </p:ext>
+    </p:extLst>
+  </p:cSld>
+  <p:clrMapOvr>
+    <a:masterClrMapping/>
+  </p:clrMapOvr>
+</p:sld>
+</file>
+
+<file path=ppt/slides/slide8.xml><?xml version="1.0" encoding="utf-8"?>
 <p:sld xmlns:a="http://schemas.openxmlformats.org/drawingml/2006/main" xmlns:r="http://schemas.openxmlformats.org/officeDocument/2006/relationships" xmlns:p="http://schemas.openxmlformats.org/presentationml/2006/main">
   <p:cSld>
     <p:spTree>
@@ -8199,343 +8733,6 @@
 </p:sld>
 </file>
 
-<file path=ppt/slides/slide8.xml><?xml version="1.0" encoding="utf-8"?>
-<p:sld xmlns:a="http://schemas.openxmlformats.org/drawingml/2006/main" xmlns:r="http://schemas.openxmlformats.org/officeDocument/2006/relationships" xmlns:p="http://schemas.openxmlformats.org/presentationml/2006/main">
-  <p:cSld>
-    <p:spTree>
-      <p:nvGrpSpPr>
-        <p:cNvPr id="1" name=""/>
-        <p:cNvGrpSpPr/>
-        <p:nvPr/>
-      </p:nvGrpSpPr>
-      <p:grpSpPr>
-        <a:xfrm>
-          <a:off x="0" y="0"/>
-          <a:ext cx="0" cy="0"/>
-          <a:chOff x="0" y="0"/>
-          <a:chExt cx="0" cy="0"/>
-        </a:xfrm>
-      </p:grpSpPr>
-      <p:sp>
-        <p:nvSpPr>
-          <p:cNvPr id="2" name="Title 1"/>
-          <p:cNvSpPr>
-            <a:spLocks noGrp="1"/>
-          </p:cNvSpPr>
-          <p:nvPr>
-            <p:ph type="title"/>
-          </p:nvPr>
-        </p:nvSpPr>
-        <p:spPr/>
-        <p:txBody>
-          <a:bodyPr/>
-          <a:lstStyle/>
-          <a:p>
-            <a:r>
-              <a:rPr lang="en-GB" dirty="0" err="1" smtClean="0"/>
-              <a:t>Khai</a:t>
-            </a:r>
-            <a:r>
-              <a:rPr lang="en-GB" dirty="0" smtClean="0"/>
-              <a:t> </a:t>
-            </a:r>
-            <a:r>
-              <a:rPr lang="en-GB" dirty="0" err="1" smtClean="0"/>
-              <a:t>báo</a:t>
-            </a:r>
-            <a:r>
-              <a:rPr lang="en-GB" dirty="0" smtClean="0"/>
-              <a:t> </a:t>
-            </a:r>
-            <a:r>
-              <a:rPr lang="en-GB" dirty="0" err="1" smtClean="0"/>
-              <a:t>biến</a:t>
-            </a:r>
-            <a:r>
-              <a:rPr lang="en-GB" dirty="0" smtClean="0"/>
-              <a:t> </a:t>
-            </a:r>
-            <a:r>
-              <a:rPr lang="en-GB" dirty="0" err="1" smtClean="0"/>
-              <a:t>và</a:t>
-            </a:r>
-            <a:r>
-              <a:rPr lang="en-GB" dirty="0" smtClean="0"/>
-              <a:t> </a:t>
-            </a:r>
-            <a:r>
-              <a:rPr lang="en-GB" dirty="0" err="1" smtClean="0"/>
-              <a:t>hằng</a:t>
-            </a:r>
-            <a:r>
-              <a:rPr lang="en-GB" dirty="0" smtClean="0"/>
-              <a:t> </a:t>
-            </a:r>
-            <a:r>
-              <a:rPr lang="en-GB" dirty="0" err="1" smtClean="0"/>
-              <a:t>số</a:t>
-            </a:r>
-            <a:endParaRPr lang="en-GB" dirty="0"/>
-          </a:p>
-        </p:txBody>
-      </p:sp>
-      <p:sp>
-        <p:nvSpPr>
-          <p:cNvPr id="3" name="Content Placeholder 2"/>
-          <p:cNvSpPr>
-            <a:spLocks noGrp="1"/>
-          </p:cNvSpPr>
-          <p:nvPr>
-            <p:ph idx="1"/>
-          </p:nvPr>
-        </p:nvSpPr>
-        <p:spPr/>
-        <p:txBody>
-          <a:bodyPr/>
-          <a:lstStyle/>
-          <a:p>
-            <a:r>
-              <a:rPr lang="en-GB" dirty="0" err="1" smtClean="0"/>
-              <a:t>Khai</a:t>
-            </a:r>
-            <a:r>
-              <a:rPr lang="en-GB" dirty="0" smtClean="0"/>
-              <a:t> </a:t>
-            </a:r>
-            <a:r>
-              <a:rPr lang="en-GB" dirty="0" err="1" smtClean="0"/>
-              <a:t>báo</a:t>
-            </a:r>
-            <a:r>
-              <a:rPr lang="en-GB" dirty="0" smtClean="0"/>
-              <a:t> </a:t>
-            </a:r>
-            <a:r>
-              <a:rPr lang="en-GB" dirty="0" err="1" smtClean="0"/>
-              <a:t>biến</a:t>
-            </a:r>
-            <a:r>
-              <a:rPr lang="en-GB" dirty="0" smtClean="0"/>
-              <a:t> </a:t>
-            </a:r>
-            <a:r>
-              <a:rPr lang="en-GB" dirty="0" err="1" smtClean="0"/>
-              <a:t>với</a:t>
-            </a:r>
-            <a:r>
-              <a:rPr lang="en-GB" dirty="0" smtClean="0"/>
-              <a:t> </a:t>
-            </a:r>
-            <a:r>
-              <a:rPr lang="en-GB" dirty="0" err="1" smtClean="0"/>
-              <a:t>var</a:t>
-            </a:r>
-            <a:endParaRPr lang="en-GB" dirty="0" smtClean="0"/>
-          </a:p>
-          <a:p>
-            <a:pPr lvl="1"/>
-            <a:r>
-              <a:rPr lang="en-GB" dirty="0" err="1" smtClean="0"/>
-              <a:t>Var</a:t>
-            </a:r>
-            <a:r>
-              <a:rPr lang="en-GB" dirty="0" smtClean="0"/>
-              <a:t> item = 6; =&gt; </a:t>
-            </a:r>
-            <a:r>
-              <a:rPr lang="en-GB" dirty="0" err="1" smtClean="0"/>
-              <a:t>gán</a:t>
-            </a:r>
-            <a:r>
-              <a:rPr lang="en-GB" dirty="0" smtClean="0"/>
-              <a:t> </a:t>
-            </a:r>
-            <a:r>
-              <a:rPr lang="en-GB" dirty="0" err="1" smtClean="0"/>
-              <a:t>biến</a:t>
-            </a:r>
-            <a:r>
-              <a:rPr lang="en-GB" dirty="0" smtClean="0"/>
-              <a:t> </a:t>
-            </a:r>
-            <a:r>
-              <a:rPr lang="en-GB" dirty="0" err="1" smtClean="0"/>
-              <a:t>với</a:t>
-            </a:r>
-            <a:r>
-              <a:rPr lang="en-GB" dirty="0" smtClean="0"/>
-              <a:t> </a:t>
-            </a:r>
-            <a:r>
-              <a:rPr lang="en-GB" dirty="0" err="1" smtClean="0"/>
-              <a:t>giá</a:t>
-            </a:r>
-            <a:r>
-              <a:rPr lang="en-GB" dirty="0" smtClean="0"/>
-              <a:t> </a:t>
-            </a:r>
-            <a:r>
-              <a:rPr lang="en-GB" dirty="0" err="1" smtClean="0"/>
-              <a:t>trị</a:t>
-            </a:r>
-            <a:endParaRPr lang="en-GB" dirty="0" smtClean="0"/>
-          </a:p>
-          <a:p>
-            <a:pPr lvl="1"/>
-            <a:r>
-              <a:rPr lang="en-GB" dirty="0" err="1" smtClean="0"/>
-              <a:t>Var</a:t>
-            </a:r>
-            <a:r>
-              <a:rPr lang="en-GB" dirty="0" smtClean="0"/>
-              <a:t> item = new Array(4, 100); =&gt; </a:t>
-            </a:r>
-            <a:r>
-              <a:rPr lang="en-GB" dirty="0" err="1" smtClean="0"/>
-              <a:t>dùng</a:t>
-            </a:r>
-            <a:r>
-              <a:rPr lang="en-GB" dirty="0" smtClean="0"/>
-              <a:t> new</a:t>
-            </a:r>
-          </a:p>
-          <a:p>
-            <a:pPr lvl="1"/>
-            <a:r>
-              <a:rPr lang="en-GB" dirty="0" err="1" smtClean="0"/>
-              <a:t>Var</a:t>
-            </a:r>
-            <a:r>
-              <a:rPr lang="en-GB" dirty="0" smtClean="0"/>
-              <a:t> item =&gt; </a:t>
-            </a:r>
-            <a:r>
-              <a:rPr lang="en-GB" dirty="0" err="1" smtClean="0"/>
-              <a:t>undefine</a:t>
-            </a:r>
-            <a:endParaRPr lang="en-GB" dirty="0" smtClean="0"/>
-          </a:p>
-          <a:p>
-            <a:pPr lvl="1"/>
-            <a:r>
-              <a:rPr lang="en-US" dirty="0" err="1"/>
-              <a:t>var</a:t>
-            </a:r>
-            <a:r>
-              <a:rPr lang="en-US" dirty="0"/>
-              <a:t> x = {</a:t>
-            </a:r>
-            <a:r>
-              <a:rPr lang="en-US" dirty="0" err="1"/>
-              <a:t>firstName</a:t>
-            </a:r>
-            <a:r>
-              <a:rPr lang="en-US" dirty="0"/>
-              <a:t>:"John", </a:t>
-            </a:r>
-            <a:r>
-              <a:rPr lang="en-US" dirty="0" err="1"/>
-              <a:t>lastName</a:t>
-            </a:r>
-            <a:r>
-              <a:rPr lang="en-US" dirty="0"/>
-              <a:t>:"Doe</a:t>
-            </a:r>
-            <a:r>
-              <a:rPr lang="en-US" dirty="0" smtClean="0"/>
-              <a:t>"};</a:t>
-            </a:r>
-          </a:p>
-          <a:p>
-            <a:r>
-              <a:rPr lang="en-US" dirty="0" err="1" smtClean="0"/>
-              <a:t>Sử</a:t>
-            </a:r>
-            <a:r>
-              <a:rPr lang="en-US" dirty="0" smtClean="0"/>
-              <a:t> </a:t>
-            </a:r>
-            <a:r>
-              <a:rPr lang="en-US" dirty="0" err="1" smtClean="0"/>
-              <a:t>dụng</a:t>
-            </a:r>
-            <a:r>
-              <a:rPr lang="en-US" dirty="0" smtClean="0"/>
-              <a:t> let: let item = ‘5’;</a:t>
-            </a:r>
-          </a:p>
-          <a:p>
-            <a:r>
-              <a:rPr lang="en-US" dirty="0" err="1" smtClean="0"/>
-              <a:t>Const</a:t>
-            </a:r>
-            <a:r>
-              <a:rPr lang="en-US" dirty="0" smtClean="0"/>
-              <a:t> </a:t>
-            </a:r>
-            <a:r>
-              <a:rPr lang="en-US" dirty="0" err="1" smtClean="0"/>
-              <a:t>để</a:t>
-            </a:r>
-            <a:r>
-              <a:rPr lang="en-US" dirty="0" smtClean="0"/>
-              <a:t> </a:t>
-            </a:r>
-            <a:r>
-              <a:rPr lang="en-US" dirty="0" err="1" smtClean="0"/>
-              <a:t>khai</a:t>
-            </a:r>
-            <a:r>
-              <a:rPr lang="en-US" dirty="0" smtClean="0"/>
-              <a:t> </a:t>
-            </a:r>
-            <a:r>
-              <a:rPr lang="en-US" dirty="0" err="1" smtClean="0"/>
-              <a:t>báo</a:t>
-            </a:r>
-            <a:r>
-              <a:rPr lang="en-US" dirty="0" smtClean="0"/>
-              <a:t> </a:t>
-            </a:r>
-            <a:r>
-              <a:rPr lang="en-US" dirty="0" err="1" smtClean="0"/>
-              <a:t>hằng</a:t>
-            </a:r>
-            <a:r>
-              <a:rPr lang="en-US" dirty="0" smtClean="0"/>
-              <a:t> </a:t>
-            </a:r>
-            <a:r>
-              <a:rPr lang="en-US" dirty="0" err="1" smtClean="0"/>
-              <a:t>số</a:t>
-            </a:r>
-            <a:endParaRPr lang="en-GB" dirty="0" smtClean="0"/>
-          </a:p>
-          <a:p>
-            <a:endParaRPr lang="en-GB" dirty="0"/>
-          </a:p>
-        </p:txBody>
-      </p:sp>
-    </p:spTree>
-    <p:extLst>
-      <p:ext uri="{BB962C8B-B14F-4D97-AF65-F5344CB8AC3E}">
-        <p14:creationId xmlns:p14="http://schemas.microsoft.com/office/powerpoint/2010/main" val="3312519106"/>
-      </p:ext>
-    </p:extLst>
-  </p:cSld>
-  <p:clrMapOvr>
-    <a:masterClrMapping/>
-  </p:clrMapOvr>
-  <p:timing>
-    <p:tnLst>
-      <p:par>
-        <p:cTn id="1" dur="indefinite" restart="never" nodeType="tmRoot"/>
-      </p:par>
-    </p:tnLst>
-  </p:timing>
-</p:sld>
-</file>
-
 <file path=ppt/slides/slide9.xml><?xml version="1.0" encoding="utf-8"?>
 <p:sld xmlns:a="http://schemas.openxmlformats.org/drawingml/2006/main" xmlns:r="http://schemas.openxmlformats.org/officeDocument/2006/relationships" xmlns:p="http://schemas.openxmlformats.org/presentationml/2006/main">
   <p:cSld>
@@ -8570,23 +8767,15 @@
           <a:p>
             <a:r>
               <a:rPr lang="en-GB" dirty="0" err="1" smtClean="0"/>
-              <a:t>Quy</a:t>
-            </a:r>
-            <a:r>
-              <a:rPr lang="en-GB" dirty="0" smtClean="0"/>
-              <a:t> </a:t>
-            </a:r>
-            <a:r>
-              <a:rPr lang="en-GB" dirty="0" err="1" smtClean="0"/>
-              <a:t>tắc</a:t>
-            </a:r>
-            <a:r>
-              <a:rPr lang="en-GB" dirty="0" smtClean="0"/>
-              <a:t> </a:t>
-            </a:r>
-            <a:r>
-              <a:rPr lang="en-GB" dirty="0" err="1" smtClean="0"/>
-              <a:t>tên</a:t>
+              <a:t>Khai</a:t>
+            </a:r>
+            <a:r>
+              <a:rPr lang="en-GB" dirty="0" smtClean="0"/>
+              <a:t> </a:t>
+            </a:r>
+            <a:r>
+              <a:rPr lang="en-GB" dirty="0" err="1" smtClean="0"/>
+              <a:t>báo</a:t>
             </a:r>
             <a:r>
               <a:rPr lang="en-GB" dirty="0" smtClean="0"/>
@@ -8596,6 +8785,30 @@
               <a:rPr lang="en-GB" dirty="0" err="1" smtClean="0"/>
               <a:t>biến</a:t>
             </a:r>
+            <a:r>
+              <a:rPr lang="en-GB" dirty="0" smtClean="0"/>
+              <a:t> </a:t>
+            </a:r>
+            <a:r>
+              <a:rPr lang="en-GB" dirty="0" err="1" smtClean="0"/>
+              <a:t>và</a:t>
+            </a:r>
+            <a:r>
+              <a:rPr lang="en-GB" dirty="0" smtClean="0"/>
+              <a:t> </a:t>
+            </a:r>
+            <a:r>
+              <a:rPr lang="en-GB" dirty="0" err="1" smtClean="0"/>
+              <a:t>hằng</a:t>
+            </a:r>
+            <a:r>
+              <a:rPr lang="en-GB" dirty="0" smtClean="0"/>
+              <a:t> </a:t>
+            </a:r>
+            <a:r>
+              <a:rPr lang="en-GB" dirty="0" err="1" smtClean="0"/>
+              <a:t>số</a:t>
+            </a:r>
             <a:endParaRPr lang="en-GB" dirty="0"/>
           </a:p>
         </p:txBody>
@@ -8617,216 +8830,222 @@
           <a:p>
             <a:r>
               <a:rPr lang="en-GB" dirty="0" err="1" smtClean="0"/>
-              <a:t>Khởi</a:t>
-            </a:r>
-            <a:r>
-              <a:rPr lang="en-GB" dirty="0" smtClean="0"/>
-              <a:t> </a:t>
-            </a:r>
-            <a:r>
-              <a:rPr lang="en-GB" dirty="0" err="1" smtClean="0"/>
-              <a:t>đầu</a:t>
-            </a:r>
-            <a:r>
-              <a:rPr lang="en-GB" dirty="0" smtClean="0"/>
-              <a:t> </a:t>
-            </a:r>
-            <a:r>
-              <a:rPr lang="en-GB" dirty="0" err="1" smtClean="0"/>
-              <a:t>không</a:t>
-            </a:r>
-            <a:r>
-              <a:rPr lang="en-GB" dirty="0" smtClean="0"/>
-              <a:t> </a:t>
-            </a:r>
-            <a:r>
-              <a:rPr lang="en-GB" dirty="0" err="1" smtClean="0"/>
-              <a:t>được</a:t>
-            </a:r>
-            <a:r>
-              <a:rPr lang="en-GB" dirty="0" smtClean="0"/>
-              <a:t> </a:t>
-            </a:r>
-            <a:r>
-              <a:rPr lang="en-GB" dirty="0" err="1" smtClean="0"/>
-              <a:t>là</a:t>
-            </a:r>
-            <a:r>
-              <a:rPr lang="en-GB" dirty="0" smtClean="0"/>
-              <a:t> </a:t>
-            </a:r>
-            <a:r>
-              <a:rPr lang="en-GB" dirty="0" err="1" smtClean="0"/>
+              <a:t>Khai</a:t>
+            </a:r>
+            <a:r>
+              <a:rPr lang="en-GB" dirty="0" smtClean="0"/>
+              <a:t> </a:t>
+            </a:r>
+            <a:r>
+              <a:rPr lang="en-GB" dirty="0" err="1" smtClean="0"/>
+              <a:t>báo</a:t>
+            </a:r>
+            <a:r>
+              <a:rPr lang="en-GB" dirty="0" smtClean="0"/>
+              <a:t> </a:t>
+            </a:r>
+            <a:r>
+              <a:rPr lang="en-GB" dirty="0" err="1" smtClean="0"/>
+              <a:t>biến</a:t>
+            </a:r>
+            <a:r>
+              <a:rPr lang="en-GB" dirty="0" smtClean="0"/>
+              <a:t> </a:t>
+            </a:r>
+            <a:r>
+              <a:rPr lang="en-GB" dirty="0" err="1" smtClean="0"/>
+              <a:t>với</a:t>
+            </a:r>
+            <a:r>
+              <a:rPr lang="en-GB" dirty="0" smtClean="0"/>
+              <a:t> </a:t>
+            </a:r>
+            <a:r>
+              <a:rPr lang="en-GB" dirty="0" err="1" smtClean="0"/>
+              <a:t>var</a:t>
+            </a:r>
+            <a:endParaRPr lang="en-GB" dirty="0" smtClean="0"/>
+          </a:p>
+          <a:p>
+            <a:pPr lvl="1"/>
+            <a:r>
+              <a:rPr lang="en-GB" dirty="0" err="1" smtClean="0"/>
+              <a:t>Var</a:t>
+            </a:r>
+            <a:r>
+              <a:rPr lang="en-GB" dirty="0" smtClean="0"/>
+              <a:t> item = 6; =&gt; </a:t>
+            </a:r>
+            <a:r>
+              <a:rPr lang="en-GB" dirty="0" err="1" smtClean="0"/>
+              <a:t>gán</a:t>
+            </a:r>
+            <a:r>
+              <a:rPr lang="en-GB" dirty="0" smtClean="0"/>
+              <a:t> </a:t>
+            </a:r>
+            <a:r>
+              <a:rPr lang="en-GB" dirty="0" err="1" smtClean="0"/>
+              <a:t>biến</a:t>
+            </a:r>
+            <a:r>
+              <a:rPr lang="en-GB" dirty="0" smtClean="0"/>
+              <a:t> </a:t>
+            </a:r>
+            <a:r>
+              <a:rPr lang="en-GB" dirty="0" err="1" smtClean="0"/>
+              <a:t>với</a:t>
+            </a:r>
+            <a:r>
+              <a:rPr lang="en-GB" dirty="0" smtClean="0"/>
+              <a:t> </a:t>
+            </a:r>
+            <a:r>
+              <a:rPr lang="en-GB" dirty="0" err="1" smtClean="0"/>
+              <a:t>giá</a:t>
+            </a:r>
+            <a:r>
+              <a:rPr lang="en-GB" dirty="0" smtClean="0"/>
+              <a:t> </a:t>
+            </a:r>
+            <a:r>
+              <a:rPr lang="en-GB" dirty="0" err="1" smtClean="0"/>
+              <a:t>trị</a:t>
+            </a:r>
+            <a:endParaRPr lang="en-GB" dirty="0" smtClean="0"/>
+          </a:p>
+          <a:p>
+            <a:pPr lvl="1"/>
+            <a:r>
+              <a:rPr lang="en-GB" dirty="0" err="1" smtClean="0"/>
+              <a:t>Var</a:t>
+            </a:r>
+            <a:r>
+              <a:rPr lang="en-GB" dirty="0" smtClean="0"/>
+              <a:t> item = new Array(4, 100); =&gt; </a:t>
+            </a:r>
+            <a:r>
+              <a:rPr lang="en-GB" dirty="0" err="1" smtClean="0"/>
+              <a:t>dùng</a:t>
+            </a:r>
+            <a:r>
+              <a:rPr lang="en-GB" dirty="0" smtClean="0"/>
+              <a:t> new</a:t>
+            </a:r>
+          </a:p>
+          <a:p>
+            <a:pPr lvl="1"/>
+            <a:r>
+              <a:rPr lang="en-GB" dirty="0" err="1" smtClean="0"/>
+              <a:t>Var</a:t>
+            </a:r>
+            <a:r>
+              <a:rPr lang="en-GB" dirty="0" smtClean="0"/>
+              <a:t> item =&gt; </a:t>
+            </a:r>
+            <a:r>
+              <a:rPr lang="en-GB" dirty="0" err="1" smtClean="0"/>
+              <a:t>undefine</a:t>
+            </a:r>
+            <a:endParaRPr lang="en-GB" dirty="0" smtClean="0"/>
+          </a:p>
+          <a:p>
+            <a:pPr lvl="1"/>
+            <a:r>
+              <a:rPr lang="en-US" dirty="0" err="1"/>
+              <a:t>var</a:t>
+            </a:r>
+            <a:r>
+              <a:rPr lang="en-US" dirty="0"/>
+              <a:t> x = {</a:t>
+            </a:r>
+            <a:r>
+              <a:rPr lang="en-US" dirty="0" err="1"/>
+              <a:t>firstName</a:t>
+            </a:r>
+            <a:r>
+              <a:rPr lang="en-US" dirty="0"/>
+              <a:t>:"John", </a:t>
+            </a:r>
+            <a:r>
+              <a:rPr lang="en-US" dirty="0" err="1"/>
+              <a:t>lastName</a:t>
+            </a:r>
+            <a:r>
+              <a:rPr lang="en-US" dirty="0"/>
+              <a:t>:"Doe</a:t>
+            </a:r>
+            <a:r>
+              <a:rPr lang="en-US" dirty="0" smtClean="0"/>
+              <a:t>"};</a:t>
+            </a:r>
+          </a:p>
+          <a:p>
+            <a:r>
+              <a:rPr lang="en-US" dirty="0" err="1" smtClean="0"/>
+              <a:t>Sử</a:t>
+            </a:r>
+            <a:r>
+              <a:rPr lang="en-US" dirty="0" smtClean="0"/>
+              <a:t> </a:t>
+            </a:r>
+            <a:r>
+              <a:rPr lang="en-US" dirty="0" err="1" smtClean="0"/>
+              <a:t>dụng</a:t>
+            </a:r>
+            <a:r>
+              <a:rPr lang="en-US" dirty="0" smtClean="0"/>
+              <a:t> let: let item = ‘5’;</a:t>
+            </a:r>
+          </a:p>
+          <a:p>
+            <a:r>
+              <a:rPr lang="en-US" dirty="0" err="1" smtClean="0"/>
+              <a:t>Const</a:t>
+            </a:r>
+            <a:r>
+              <a:rPr lang="en-US" dirty="0" smtClean="0"/>
+              <a:t> </a:t>
+            </a:r>
+            <a:r>
+              <a:rPr lang="en-US" dirty="0" err="1" smtClean="0"/>
+              <a:t>để</a:t>
+            </a:r>
+            <a:r>
+              <a:rPr lang="en-US" dirty="0" smtClean="0"/>
+              <a:t> </a:t>
+            </a:r>
+            <a:r>
+              <a:rPr lang="en-US" dirty="0" err="1" smtClean="0"/>
+              <a:t>khai</a:t>
+            </a:r>
+            <a:r>
+              <a:rPr lang="en-US" dirty="0" smtClean="0"/>
+              <a:t> </a:t>
+            </a:r>
+            <a:r>
+              <a:rPr lang="en-US" dirty="0" err="1" smtClean="0"/>
+              <a:t>báo</a:t>
+            </a:r>
+            <a:r>
+              <a:rPr lang="en-US" dirty="0" smtClean="0"/>
+              <a:t> </a:t>
+            </a:r>
+            <a:r>
+              <a:rPr lang="en-US" dirty="0" err="1" smtClean="0"/>
+              <a:t>hằng</a:t>
+            </a:r>
+            <a:r>
+              <a:rPr lang="en-US" dirty="0" smtClean="0"/>
+              <a:t> </a:t>
+            </a:r>
+            <a:r>
+              <a:rPr lang="en-US" dirty="0" err="1" smtClean="0"/>
               <a:t>số</a:t>
             </a:r>
             <a:endParaRPr lang="en-GB" dirty="0" smtClean="0"/>
           </a:p>
           <a:p>
-            <a:r>
-              <a:rPr lang="en-GB" dirty="0" err="1" smtClean="0"/>
-              <a:t>Khởi</a:t>
-            </a:r>
-            <a:r>
-              <a:rPr lang="en-GB" dirty="0" smtClean="0"/>
-              <a:t> </a:t>
-            </a:r>
-            <a:r>
-              <a:rPr lang="en-GB" dirty="0" err="1" smtClean="0"/>
-              <a:t>đầu</a:t>
-            </a:r>
-            <a:r>
-              <a:rPr lang="en-GB" dirty="0" smtClean="0"/>
-              <a:t> </a:t>
-            </a:r>
-            <a:r>
-              <a:rPr lang="en-GB" dirty="0" err="1" smtClean="0"/>
-              <a:t>có</a:t>
-            </a:r>
-            <a:r>
-              <a:rPr lang="en-GB" dirty="0" smtClean="0"/>
-              <a:t> </a:t>
-            </a:r>
-            <a:r>
-              <a:rPr lang="en-GB" dirty="0" err="1" smtClean="0"/>
-              <a:t>thể</a:t>
-            </a:r>
-            <a:r>
-              <a:rPr lang="en-GB" dirty="0" smtClean="0"/>
-              <a:t>: $, _, </a:t>
-            </a:r>
-            <a:r>
-              <a:rPr lang="en-GB" dirty="0" err="1" smtClean="0"/>
-              <a:t>một</a:t>
-            </a:r>
-            <a:r>
-              <a:rPr lang="en-GB" dirty="0" smtClean="0"/>
-              <a:t> </a:t>
-            </a:r>
-            <a:r>
-              <a:rPr lang="en-GB" dirty="0" err="1" smtClean="0"/>
-              <a:t>chữ</a:t>
-            </a:r>
-            <a:endParaRPr lang="en-GB" dirty="0" smtClean="0"/>
-          </a:p>
-          <a:p>
-            <a:r>
-              <a:rPr lang="en-GB" dirty="0" err="1" smtClean="0"/>
-              <a:t>Biến</a:t>
-            </a:r>
-            <a:r>
-              <a:rPr lang="en-GB" dirty="0" smtClean="0"/>
-              <a:t> JS </a:t>
-            </a:r>
-            <a:r>
-              <a:rPr lang="en-GB" dirty="0" err="1" smtClean="0"/>
-              <a:t>phải</a:t>
-            </a:r>
-            <a:r>
-              <a:rPr lang="en-GB" dirty="0" smtClean="0"/>
-              <a:t> </a:t>
-            </a:r>
-            <a:r>
-              <a:rPr lang="en-GB" dirty="0" err="1" smtClean="0"/>
-              <a:t>là</a:t>
-            </a:r>
-            <a:r>
-              <a:rPr lang="en-GB" dirty="0" smtClean="0"/>
-              <a:t> </a:t>
-            </a:r>
-            <a:r>
-              <a:rPr lang="en-GB" dirty="0" err="1" smtClean="0"/>
-              <a:t>duy</a:t>
-            </a:r>
-            <a:r>
-              <a:rPr lang="en-GB" dirty="0" smtClean="0"/>
-              <a:t> </a:t>
-            </a:r>
-            <a:r>
-              <a:rPr lang="en-GB" dirty="0" err="1" smtClean="0"/>
-              <a:t>nhất</a:t>
-            </a:r>
-            <a:endParaRPr lang="en-GB" dirty="0" smtClean="0"/>
-          </a:p>
-          <a:p>
-            <a:r>
-              <a:rPr lang="en-GB" dirty="0" err="1" smtClean="0"/>
-              <a:t>Không</a:t>
-            </a:r>
-            <a:r>
-              <a:rPr lang="en-GB" dirty="0" smtClean="0"/>
-              <a:t> </a:t>
-            </a:r>
-            <a:r>
-              <a:rPr lang="en-GB" dirty="0" err="1" smtClean="0"/>
-              <a:t>được</a:t>
-            </a:r>
-            <a:r>
-              <a:rPr lang="en-GB" dirty="0" smtClean="0"/>
-              <a:t> </a:t>
-            </a:r>
-            <a:r>
-              <a:rPr lang="en-GB" dirty="0" err="1" smtClean="0"/>
-              <a:t>trùng</a:t>
-            </a:r>
-            <a:r>
-              <a:rPr lang="en-GB" dirty="0" smtClean="0"/>
-              <a:t> </a:t>
-            </a:r>
-            <a:r>
-              <a:rPr lang="en-GB" dirty="0" err="1" smtClean="0"/>
-              <a:t>từ</a:t>
-            </a:r>
-            <a:r>
-              <a:rPr lang="en-GB" dirty="0" smtClean="0"/>
-              <a:t> </a:t>
-            </a:r>
-            <a:r>
-              <a:rPr lang="en-GB" dirty="0" err="1" smtClean="0"/>
-              <a:t>khóa</a:t>
-            </a:r>
-            <a:r>
-              <a:rPr lang="en-GB" dirty="0" smtClean="0"/>
-              <a:t> </a:t>
-            </a:r>
-            <a:r>
-              <a:rPr lang="en-GB" dirty="0" err="1" smtClean="0"/>
-              <a:t>của</a:t>
-            </a:r>
-            <a:r>
-              <a:rPr lang="en-GB" dirty="0" smtClean="0"/>
-              <a:t> JS</a:t>
-            </a:r>
-          </a:p>
-          <a:p>
-            <a:pPr lvl="1"/>
-            <a:r>
-              <a:rPr lang="en-GB" dirty="0" err="1" smtClean="0"/>
-              <a:t>Typeof</a:t>
-            </a:r>
-            <a:endParaRPr lang="en-GB" dirty="0" smtClean="0"/>
-          </a:p>
-          <a:p>
-            <a:pPr lvl="1"/>
-            <a:r>
-              <a:rPr lang="en-GB" dirty="0" err="1" smtClean="0"/>
-              <a:t>Var</a:t>
-            </a:r>
-            <a:endParaRPr lang="en-GB" dirty="0" smtClean="0"/>
-          </a:p>
-          <a:p>
-            <a:pPr lvl="1"/>
-            <a:r>
-              <a:rPr lang="en-GB" dirty="0" err="1"/>
-              <a:t>U</a:t>
-            </a:r>
-            <a:r>
-              <a:rPr lang="en-GB" dirty="0" err="1" smtClean="0"/>
-              <a:t>ndefine</a:t>
-            </a:r>
-            <a:r>
-              <a:rPr lang="en-GB" dirty="0" smtClean="0"/>
-              <a:t>, …</a:t>
-            </a:r>
             <a:endParaRPr lang="en-GB" dirty="0"/>
           </a:p>
         </p:txBody>
@@ -8834,7 +9053,7 @@
     </p:spTree>
     <p:extLst>
       <p:ext uri="{BB962C8B-B14F-4D97-AF65-F5344CB8AC3E}">
-        <p14:creationId xmlns:p14="http://schemas.microsoft.com/office/powerpoint/2010/main" val="2371030393"/>
+        <p14:creationId xmlns:p14="http://schemas.microsoft.com/office/powerpoint/2010/main" val="3312519106"/>
       </p:ext>
     </p:extLst>
   </p:cSld>
